--- a/notes/optimization.pptx
+++ b/notes/optimization.pptx
@@ -6458,8 +6458,8 @@
           </a:p>
         </p:txBody>
       </p:sp>
-      <mc:AlternateContent xmlns:mc="http://schemas.openxmlformats.org/markup-compatibility/2006">
-        <mc:Choice xmlns:a14="http://schemas.microsoft.com/office/drawing/2010/main" Requires="a14">
+      <mc:AlternateContent xmlns:mc="http://schemas.openxmlformats.org/markup-compatibility/2006" xmlns:a14="http://schemas.microsoft.com/office/drawing/2010/main">
+        <mc:Choice Requires="a14">
           <p:sp>
             <p:nvSpPr>
               <p:cNvPr id="2" name="TextBox 1">
@@ -6488,6 +6488,7 @@
               </a:bodyPr>
               <a:lstStyle/>
               <a:p>
+                <a:pPr/>
                 <a14:m>
                   <m:oMathPara xmlns:m="http://schemas.openxmlformats.org/officeDocument/2006/math">
                     <m:oMathParaPr>
@@ -6631,7 +6632,7 @@
             </p:txBody>
           </p:sp>
         </mc:Choice>
-        <mc:Fallback>
+        <mc:Fallback xmlns="">
           <p:sp>
             <p:nvSpPr>
               <p:cNvPr id="2" name="TextBox 1">
@@ -6676,8 +6677,8 @@
           </p:sp>
         </mc:Fallback>
       </mc:AlternateContent>
-      <mc:AlternateContent xmlns:mc="http://schemas.openxmlformats.org/markup-compatibility/2006">
-        <mc:Choice xmlns:a14="http://schemas.microsoft.com/office/drawing/2010/main" Requires="a14">
+      <mc:AlternateContent xmlns:mc="http://schemas.openxmlformats.org/markup-compatibility/2006" xmlns:a14="http://schemas.microsoft.com/office/drawing/2010/main">
+        <mc:Choice Requires="a14">
           <p:sp>
             <p:nvSpPr>
               <p:cNvPr id="29" name="TextBox 28">
@@ -6706,6 +6707,7 @@
               </a:bodyPr>
               <a:lstStyle/>
               <a:p>
+                <a:pPr/>
                 <a14:m>
                   <m:oMathPara xmlns:m="http://schemas.openxmlformats.org/officeDocument/2006/math">
                     <m:oMathParaPr>
@@ -6925,7 +6927,7 @@
             </p:txBody>
           </p:sp>
         </mc:Choice>
-        <mc:Fallback>
+        <mc:Fallback xmlns="">
           <p:sp>
             <p:nvSpPr>
               <p:cNvPr id="29" name="TextBox 28">
@@ -6970,8 +6972,8 @@
           </p:sp>
         </mc:Fallback>
       </mc:AlternateContent>
-      <mc:AlternateContent xmlns:mc="http://schemas.openxmlformats.org/markup-compatibility/2006">
-        <mc:Choice xmlns:a14="http://schemas.microsoft.com/office/drawing/2010/main" Requires="a14">
+      <mc:AlternateContent xmlns:mc="http://schemas.openxmlformats.org/markup-compatibility/2006" xmlns:a14="http://schemas.microsoft.com/office/drawing/2010/main">
+        <mc:Choice Requires="a14">
           <p:sp>
             <p:nvSpPr>
               <p:cNvPr id="30" name="TextBox 29">
@@ -7000,6 +7002,7 @@
               </a:bodyPr>
               <a:lstStyle/>
               <a:p>
+                <a:pPr/>
                 <a14:m>
                   <m:oMathPara xmlns:m="http://schemas.openxmlformats.org/officeDocument/2006/math">
                     <m:oMathParaPr>
@@ -7123,7 +7126,7 @@
             </p:txBody>
           </p:sp>
         </mc:Choice>
-        <mc:Fallback>
+        <mc:Fallback xmlns="">
           <p:sp>
             <p:nvSpPr>
               <p:cNvPr id="30" name="TextBox 29">
@@ -7168,8 +7171,8 @@
           </p:sp>
         </mc:Fallback>
       </mc:AlternateContent>
-      <mc:AlternateContent xmlns:mc="http://schemas.openxmlformats.org/markup-compatibility/2006">
-        <mc:Choice xmlns:a14="http://schemas.microsoft.com/office/drawing/2010/main" Requires="a14">
+      <mc:AlternateContent xmlns:mc="http://schemas.openxmlformats.org/markup-compatibility/2006" xmlns:a14="http://schemas.microsoft.com/office/drawing/2010/main">
+        <mc:Choice Requires="a14">
           <p:sp>
             <p:nvSpPr>
               <p:cNvPr id="3" name="TextBox 2">
@@ -7198,6 +7201,7 @@
               </a:bodyPr>
               <a:lstStyle/>
               <a:p>
+                <a:pPr/>
                 <a14:m>
                   <m:oMathPara xmlns:m="http://schemas.openxmlformats.org/officeDocument/2006/math">
                     <m:oMathParaPr>
@@ -7267,7 +7271,7 @@
             </p:txBody>
           </p:sp>
         </mc:Choice>
-        <mc:Fallback>
+        <mc:Fallback xmlns="">
           <p:sp>
             <p:nvSpPr>
               <p:cNvPr id="3" name="TextBox 2">
@@ -7312,8 +7316,8 @@
           </p:sp>
         </mc:Fallback>
       </mc:AlternateContent>
-      <mc:AlternateContent xmlns:mc="http://schemas.openxmlformats.org/markup-compatibility/2006">
-        <mc:Choice xmlns:a14="http://schemas.microsoft.com/office/drawing/2010/main" Requires="a14">
+      <mc:AlternateContent xmlns:mc="http://schemas.openxmlformats.org/markup-compatibility/2006" xmlns:a14="http://schemas.microsoft.com/office/drawing/2010/main">
+        <mc:Choice Requires="a14">
           <p:sp>
             <p:nvSpPr>
               <p:cNvPr id="32" name="TextBox 31">
@@ -7342,6 +7346,7 @@
               </a:bodyPr>
               <a:lstStyle/>
               <a:p>
+                <a:pPr/>
                 <a14:m>
                   <m:oMathPara xmlns:m="http://schemas.openxmlformats.org/officeDocument/2006/math">
                     <m:oMathParaPr>
@@ -7411,7 +7416,7 @@
             </p:txBody>
           </p:sp>
         </mc:Choice>
-        <mc:Fallback>
+        <mc:Fallback xmlns="">
           <p:sp>
             <p:nvSpPr>
               <p:cNvPr id="32" name="TextBox 31">
@@ -7456,8 +7461,8 @@
           </p:sp>
         </mc:Fallback>
       </mc:AlternateContent>
-      <mc:AlternateContent xmlns:mc="http://schemas.openxmlformats.org/markup-compatibility/2006">
-        <mc:Choice xmlns:a14="http://schemas.microsoft.com/office/drawing/2010/main" Requires="a14">
+      <mc:AlternateContent xmlns:mc="http://schemas.openxmlformats.org/markup-compatibility/2006" xmlns:a14="http://schemas.microsoft.com/office/drawing/2010/main">
+        <mc:Choice Requires="a14">
           <p:sp>
             <p:nvSpPr>
               <p:cNvPr id="33" name="TextBox 32">
@@ -7611,7 +7616,6 @@
                 <a:endParaRPr lang="en-US" sz="1600" dirty="0"/>
               </a:p>
               <a:p>
-                <a:pPr/>
                 <a:r>
                   <a:rPr lang="en-US" sz="1600" dirty="0"/>
                   <a:t>      </a:t>
@@ -7745,7 +7749,7 @@
             </p:txBody>
           </p:sp>
         </mc:Choice>
-        <mc:Fallback>
+        <mc:Fallback xmlns="">
           <p:sp>
             <p:nvSpPr>
               <p:cNvPr id="33" name="TextBox 32">
@@ -11541,8 +11545,8 @@
           </a:p>
         </p:txBody>
       </p:sp>
-      <mc:AlternateContent xmlns:mc="http://schemas.openxmlformats.org/markup-compatibility/2006">
-        <mc:Choice xmlns:a14="http://schemas.microsoft.com/office/drawing/2010/main" Requires="a14">
+      <mc:AlternateContent xmlns:mc="http://schemas.openxmlformats.org/markup-compatibility/2006" xmlns:a14="http://schemas.microsoft.com/office/drawing/2010/main">
+        <mc:Choice Requires="a14">
           <p:sp>
             <p:nvSpPr>
               <p:cNvPr id="2" name="TextBox 1">
@@ -11998,7 +12002,7 @@
             </p:txBody>
           </p:sp>
         </mc:Choice>
-        <mc:Fallback>
+        <mc:Fallback xmlns="">
           <p:sp>
             <p:nvSpPr>
               <p:cNvPr id="2" name="TextBox 1">
@@ -12043,8 +12047,8 @@
           </p:sp>
         </mc:Fallback>
       </mc:AlternateContent>
-      <mc:AlternateContent xmlns:mc="http://schemas.openxmlformats.org/markup-compatibility/2006">
-        <mc:Choice xmlns:a14="http://schemas.microsoft.com/office/drawing/2010/main" Requires="a14">
+      <mc:AlternateContent xmlns:mc="http://schemas.openxmlformats.org/markup-compatibility/2006" xmlns:a14="http://schemas.microsoft.com/office/drawing/2010/main">
+        <mc:Choice Requires="a14">
           <p:sp>
             <p:nvSpPr>
               <p:cNvPr id="3" name="TextBox 2">
@@ -12073,6 +12077,7 @@
               </a:bodyPr>
               <a:lstStyle/>
               <a:p>
+                <a:pPr/>
                 <a14:m>
                   <m:oMathPara xmlns:m="http://schemas.openxmlformats.org/officeDocument/2006/math">
                     <m:oMathParaPr>
@@ -12196,7 +12201,7 @@
             </p:txBody>
           </p:sp>
         </mc:Choice>
-        <mc:Fallback>
+        <mc:Fallback xmlns="">
           <p:sp>
             <p:nvSpPr>
               <p:cNvPr id="3" name="TextBox 2">
@@ -12241,8 +12246,8 @@
           </p:sp>
         </mc:Fallback>
       </mc:AlternateContent>
-      <mc:AlternateContent xmlns:mc="http://schemas.openxmlformats.org/markup-compatibility/2006">
-        <mc:Choice xmlns:a14="http://schemas.microsoft.com/office/drawing/2010/main" Requires="a14">
+      <mc:AlternateContent xmlns:mc="http://schemas.openxmlformats.org/markup-compatibility/2006" xmlns:a14="http://schemas.microsoft.com/office/drawing/2010/main">
+        <mc:Choice Requires="a14">
           <p:sp>
             <p:nvSpPr>
               <p:cNvPr id="4" name="TextBox 3">
@@ -12271,6 +12276,7 @@
               </a:bodyPr>
               <a:lstStyle/>
               <a:p>
+                <a:pPr/>
                 <a14:m>
                   <m:oMathPara xmlns:m="http://schemas.openxmlformats.org/officeDocument/2006/math">
                     <m:oMathParaPr>
@@ -12409,7 +12415,7 @@
             </p:txBody>
           </p:sp>
         </mc:Choice>
-        <mc:Fallback>
+        <mc:Fallback xmlns="">
           <p:sp>
             <p:nvSpPr>
               <p:cNvPr id="4" name="TextBox 3">
@@ -12454,8 +12460,8 @@
           </p:sp>
         </mc:Fallback>
       </mc:AlternateContent>
-      <mc:AlternateContent xmlns:mc="http://schemas.openxmlformats.org/markup-compatibility/2006">
-        <mc:Choice xmlns:a14="http://schemas.microsoft.com/office/drawing/2010/main" Requires="a14">
+      <mc:AlternateContent xmlns:mc="http://schemas.openxmlformats.org/markup-compatibility/2006" xmlns:a14="http://schemas.microsoft.com/office/drawing/2010/main">
+        <mc:Choice Requires="a14">
           <p:sp>
             <p:nvSpPr>
               <p:cNvPr id="36" name="TextBox 35">
@@ -12484,6 +12490,7 @@
               </a:bodyPr>
               <a:lstStyle/>
               <a:p>
+                <a:pPr/>
                 <a14:m>
                   <m:oMathPara xmlns:m="http://schemas.openxmlformats.org/officeDocument/2006/math">
                     <m:oMathParaPr>
@@ -12628,7 +12635,7 @@
             </p:txBody>
           </p:sp>
         </mc:Choice>
-        <mc:Fallback>
+        <mc:Fallback xmlns="">
           <p:sp>
             <p:nvSpPr>
               <p:cNvPr id="36" name="TextBox 35">
@@ -12673,8 +12680,8 @@
           </p:sp>
         </mc:Fallback>
       </mc:AlternateContent>
-      <mc:AlternateContent xmlns:mc="http://schemas.openxmlformats.org/markup-compatibility/2006">
-        <mc:Choice xmlns:a14="http://schemas.microsoft.com/office/drawing/2010/main" Requires="a14">
+      <mc:AlternateContent xmlns:mc="http://schemas.openxmlformats.org/markup-compatibility/2006" xmlns:a14="http://schemas.microsoft.com/office/drawing/2010/main">
+        <mc:Choice Requires="a14">
           <p:sp>
             <p:nvSpPr>
               <p:cNvPr id="37" name="TextBox 36">
@@ -12703,6 +12710,7 @@
               </a:bodyPr>
               <a:lstStyle/>
               <a:p>
+                <a:pPr/>
                 <a14:m>
                   <m:oMathPara xmlns:m="http://schemas.openxmlformats.org/officeDocument/2006/math">
                     <m:oMathParaPr>
@@ -12854,7 +12862,7 @@
             </p:txBody>
           </p:sp>
         </mc:Choice>
-        <mc:Fallback>
+        <mc:Fallback xmlns="">
           <p:sp>
             <p:nvSpPr>
               <p:cNvPr id="37" name="TextBox 36">
@@ -13367,6 +13375,98 @@
           </a:p>
         </p:txBody>
       </p:sp>
+      <p:sp>
+        <p:nvSpPr>
+          <p:cNvPr id="2" name="TextBox 1">
+            <a:extLst>
+              <a:ext uri="{FF2B5EF4-FFF2-40B4-BE49-F238E27FC236}">
+                <a16:creationId xmlns:a16="http://schemas.microsoft.com/office/drawing/2014/main" id="{D7C02540-8CCB-2A4F-9B55-7E2C971E3473}"/>
+              </a:ext>
+            </a:extLst>
+          </p:cNvPr>
+          <p:cNvSpPr txBox="1"/>
+          <p:nvPr/>
+        </p:nvSpPr>
+        <p:spPr>
+          <a:xfrm>
+            <a:off x="838200" y="4343400"/>
+            <a:ext cx="7696199" cy="1815882"/>
+          </a:xfrm>
+          <a:prstGeom prst="rect">
+            <a:avLst/>
+          </a:prstGeom>
+          <a:noFill/>
+        </p:spPr>
+        <p:txBody>
+          <a:bodyPr wrap="square" rtlCol="0">
+            <a:spAutoFit/>
+          </a:bodyPr>
+          <a:lstStyle/>
+          <a:p>
+            <a:r>
+              <a:rPr lang="en-US" dirty="0">
+                <a:solidFill>
+                  <a:srgbClr val="0070C0"/>
+                </a:solidFill>
+              </a:rPr>
+              <a:t>“Penalty terms” </a:t>
+            </a:r>
+            <a:r>
+              <a:rPr lang="en-US" dirty="0"/>
+              <a:t>or</a:t>
+            </a:r>
+            <a:r>
+              <a:rPr lang="en-US" dirty="0">
+                <a:solidFill>
+                  <a:srgbClr val="0070C0"/>
+                </a:solidFill>
+              </a:rPr>
+              <a:t> “projection filters” </a:t>
+            </a:r>
+            <a:r>
+              <a:rPr lang="en-US" dirty="0"/>
+              <a:t>(SIMP, RAMP, etc.) can be used to obtain </a:t>
+            </a:r>
+            <a:r>
+              <a:rPr lang="en-US" i="1" dirty="0"/>
+              <a:t>x</a:t>
+            </a:r>
+            <a:r>
+              <a:rPr lang="en-US" dirty="0"/>
+              <a:t> that ≈ 0 or ≈ 1 almost everywhere.</a:t>
+            </a:r>
+          </a:p>
+          <a:p>
+            <a:endParaRPr lang="en-US" dirty="0"/>
+          </a:p>
+          <a:p>
+            <a:r>
+              <a:rPr lang="en-US" sz="1800" dirty="0"/>
+              <a:t>[ See e.g. Sigmund &amp; </a:t>
+            </a:r>
+            <a:r>
+              <a:rPr lang="en-US" sz="1800" dirty="0" err="1"/>
+              <a:t>Maute</a:t>
+            </a:r>
+            <a:r>
+              <a:rPr lang="en-US" sz="1800" dirty="0"/>
+              <a:t>, “Topology optimization approaches,” </a:t>
+            </a:r>
+            <a:r>
+              <a:rPr lang="en-US" sz="1800" i="1" dirty="0"/>
+              <a:t>Struct. Multidisc. Opt. </a:t>
+            </a:r>
+            <a:r>
+              <a:rPr lang="en-US" sz="1800" b="1" dirty="0"/>
+              <a:t>48</a:t>
+            </a:r>
+            <a:r>
+              <a:rPr lang="en-US" sz="1800" dirty="0"/>
+              <a:t>, pp. 1031–1055 (2013). ]</a:t>
+            </a:r>
+          </a:p>
+        </p:txBody>
+      </p:sp>
     </p:spTree>
   </p:cSld>
   <p:clrMapOvr>
@@ -13410,7 +13510,7 @@
         </p:nvSpPr>
         <p:spPr>
           <a:xfrm>
-            <a:off x="685800" y="152400"/>
+            <a:off x="685800" y="45197"/>
             <a:ext cx="7772400" cy="1143000"/>
           </a:xfrm>
         </p:spPr>
@@ -13442,7 +13542,7 @@
         </p:nvSpPr>
         <p:spPr bwMode="auto">
           <a:xfrm>
-            <a:off x="381000" y="1143000"/>
+            <a:off x="381000" y="1035797"/>
             <a:ext cx="8561388" cy="822325"/>
           </a:xfrm>
           <a:prstGeom prst="rect">
@@ -13631,7 +13731,7 @@
         </p:nvSpPr>
         <p:spPr bwMode="auto">
           <a:xfrm>
-            <a:off x="381000" y="2209800"/>
+            <a:off x="289530" y="2438400"/>
             <a:ext cx="304800" cy="4267200"/>
           </a:xfrm>
           <a:prstGeom prst="rect">
@@ -13779,7 +13879,7 @@
         </p:nvGrpSpPr>
         <p:grpSpPr bwMode="auto">
           <a:xfrm>
-            <a:off x="685800" y="3124200"/>
+            <a:off x="594330" y="3352800"/>
             <a:ext cx="3430588" cy="992188"/>
             <a:chOff x="575" y="1631"/>
             <a:chExt cx="1729" cy="1729"/>
@@ -15634,7 +15734,7 @@
         </p:nvSpPr>
         <p:spPr bwMode="auto">
           <a:xfrm>
-            <a:off x="838200" y="4495800"/>
+            <a:off x="746730" y="4724400"/>
             <a:ext cx="4029075" cy="1187450"/>
           </a:xfrm>
           <a:prstGeom prst="rect">
@@ -15811,7 +15911,7 @@
         </p:nvSpPr>
         <p:spPr bwMode="auto">
           <a:xfrm>
-            <a:off x="1676400" y="2743200"/>
+            <a:off x="1584930" y="2971800"/>
             <a:ext cx="228600" cy="381000"/>
           </a:xfrm>
           <a:prstGeom prst="line">
@@ -15858,7 +15958,7 @@
         </p:nvSpPr>
         <p:spPr bwMode="auto">
           <a:xfrm>
-            <a:off x="914400" y="2238375"/>
+            <a:off x="822930" y="2466975"/>
             <a:ext cx="3389313" cy="581025"/>
           </a:xfrm>
           <a:prstGeom prst="rect">
@@ -16042,7 +16142,7 @@
         </p:blipFill>
         <p:spPr bwMode="auto">
           <a:xfrm>
-            <a:off x="5181600" y="3276600"/>
+            <a:off x="5090130" y="3505200"/>
             <a:ext cx="3441700" cy="1333500"/>
           </a:xfrm>
           <a:prstGeom prst="rect">
@@ -16089,7 +16189,7 @@
         </p:nvSpPr>
         <p:spPr bwMode="auto">
           <a:xfrm>
-            <a:off x="5029200" y="2438400"/>
+            <a:off x="4937730" y="2667000"/>
             <a:ext cx="304800" cy="4267200"/>
           </a:xfrm>
           <a:prstGeom prst="rect">
@@ -16237,7 +16337,7 @@
         </p:nvSpPr>
         <p:spPr bwMode="auto">
           <a:xfrm>
-            <a:off x="8153400" y="2971800"/>
+            <a:off x="8061930" y="3200400"/>
             <a:ext cx="0" cy="838200"/>
           </a:xfrm>
           <a:prstGeom prst="line">
@@ -16284,7 +16384,7 @@
         </p:nvSpPr>
         <p:spPr bwMode="auto">
           <a:xfrm>
-            <a:off x="7756525" y="2498725"/>
+            <a:off x="7665055" y="2727325"/>
             <a:ext cx="809625" cy="457200"/>
           </a:xfrm>
           <a:prstGeom prst="rect">
@@ -16449,7 +16549,7 @@
         </p:nvSpPr>
         <p:spPr bwMode="auto">
           <a:xfrm>
-            <a:off x="5410200" y="4649788"/>
+            <a:off x="5318730" y="4878388"/>
             <a:ext cx="3724275" cy="1370012"/>
           </a:xfrm>
           <a:prstGeom prst="rect">
@@ -16631,6 +16731,41 @@
               <a:t>, 93–104 (2000) ]</a:t>
             </a:r>
             <a:endParaRPr lang="en-US" altLang="en-US"/>
+          </a:p>
+        </p:txBody>
+      </p:sp>
+      <p:sp>
+        <p:nvSpPr>
+          <p:cNvPr id="2" name="TextBox 1">
+            <a:extLst>
+              <a:ext uri="{FF2B5EF4-FFF2-40B4-BE49-F238E27FC236}">
+                <a16:creationId xmlns:a16="http://schemas.microsoft.com/office/drawing/2014/main" id="{938EFB7B-E89B-8441-BCEE-FF4C0EF88219}"/>
+              </a:ext>
+            </a:extLst>
+          </p:cNvPr>
+          <p:cNvSpPr txBox="1"/>
+          <p:nvPr/>
+        </p:nvSpPr>
+        <p:spPr>
+          <a:xfrm>
+            <a:off x="1465124" y="1871958"/>
+            <a:ext cx="6547177" cy="369332"/>
+          </a:xfrm>
+          <a:prstGeom prst="rect">
+            <a:avLst/>
+          </a:prstGeom>
+          <a:noFill/>
+        </p:spPr>
+        <p:txBody>
+          <a:bodyPr wrap="none" rtlCol="0">
+            <a:spAutoFit/>
+          </a:bodyPr>
+          <a:lstStyle/>
+          <a:p>
+            <a:r>
+              <a:rPr lang="en-US" sz="1800" dirty="0"/>
+              <a:t>[ + tricks to impose minimum feature size and mostly “binary” A/B ]</a:t>
+            </a:r>
           </a:p>
         </p:txBody>
       </p:sp>
@@ -16692,8 +16827,8 @@
           </a:p>
         </p:txBody>
       </p:sp>
-      <mc:AlternateContent xmlns:mc="http://schemas.openxmlformats.org/markup-compatibility/2006">
-        <mc:Choice xmlns:a14="http://schemas.microsoft.com/office/drawing/2010/main" Requires="a14">
+      <mc:AlternateContent xmlns:mc="http://schemas.openxmlformats.org/markup-compatibility/2006" xmlns:a14="http://schemas.microsoft.com/office/drawing/2010/main">
+        <mc:Choice Requires="a14">
           <p:sp>
             <p:nvSpPr>
               <p:cNvPr id="3" name="TextBox 2">
@@ -16722,6 +16857,7 @@
               </a:bodyPr>
               <a:lstStyle/>
               <a:p>
+                <a:pPr/>
                 <a14:m>
                   <m:oMathPara xmlns:m="http://schemas.openxmlformats.org/officeDocument/2006/math">
                     <m:oMathParaPr>
@@ -16872,7 +17008,7 @@
             </p:txBody>
           </p:sp>
         </mc:Choice>
-        <mc:Fallback>
+        <mc:Fallback xmlns="">
           <p:sp>
             <p:nvSpPr>
               <p:cNvPr id="3" name="TextBox 2">
@@ -16917,8 +17053,8 @@
           </p:sp>
         </mc:Fallback>
       </mc:AlternateContent>
-      <mc:AlternateContent xmlns:mc="http://schemas.openxmlformats.org/markup-compatibility/2006">
-        <mc:Choice xmlns:a14="http://schemas.microsoft.com/office/drawing/2010/main" Requires="a14">
+      <mc:AlternateContent xmlns:mc="http://schemas.openxmlformats.org/markup-compatibility/2006" xmlns:a14="http://schemas.microsoft.com/office/drawing/2010/main">
+        <mc:Choice Requires="a14">
           <p:sp>
             <p:nvSpPr>
               <p:cNvPr id="4" name="TextBox 3">
@@ -17021,7 +17157,7 @@
             </p:txBody>
           </p:sp>
         </mc:Choice>
-        <mc:Fallback>
+        <mc:Fallback xmlns="">
           <p:sp>
             <p:nvSpPr>
               <p:cNvPr id="4" name="TextBox 3">
@@ -17066,8 +17202,8 @@
           </p:sp>
         </mc:Fallback>
       </mc:AlternateContent>
-      <mc:AlternateContent xmlns:mc="http://schemas.openxmlformats.org/markup-compatibility/2006">
-        <mc:Choice xmlns:a14="http://schemas.microsoft.com/office/drawing/2010/main" Requires="a14">
+      <mc:AlternateContent xmlns:mc="http://schemas.openxmlformats.org/markup-compatibility/2006" xmlns:a14="http://schemas.microsoft.com/office/drawing/2010/main">
+        <mc:Choice Requires="a14">
           <p:sp>
             <p:nvSpPr>
               <p:cNvPr id="5" name="TextBox 4">
@@ -17159,7 +17295,7 @@
             </p:txBody>
           </p:sp>
         </mc:Choice>
-        <mc:Fallback>
+        <mc:Fallback xmlns="">
           <p:sp>
             <p:nvSpPr>
               <p:cNvPr id="5" name="TextBox 4">
@@ -17267,8 +17403,8 @@
           </a:p>
         </p:txBody>
       </p:sp>
-      <mc:AlternateContent xmlns:mc="http://schemas.openxmlformats.org/markup-compatibility/2006">
-        <mc:Choice xmlns:a14="http://schemas.microsoft.com/office/drawing/2010/main" Requires="a14">
+      <mc:AlternateContent xmlns:mc="http://schemas.openxmlformats.org/markup-compatibility/2006" xmlns:a14="http://schemas.microsoft.com/office/drawing/2010/main">
+        <mc:Choice Requires="a14">
           <p:sp>
             <p:nvSpPr>
               <p:cNvPr id="7" name="TextBox 6">
@@ -17502,7 +17638,7 @@
             </p:txBody>
           </p:sp>
         </mc:Choice>
-        <mc:Fallback>
+        <mc:Fallback xmlns="">
           <p:sp>
             <p:nvSpPr>
               <p:cNvPr id="7" name="TextBox 6">
@@ -19038,7 +19174,7 @@
           <a:graphicData uri="http://schemas.openxmlformats.org/presentationml/2006/ole">
             <mc:AlternateContent xmlns:mc="http://schemas.openxmlformats.org/markup-compatibility/2006">
               <mc:Choice xmlns:v="urn:schemas-microsoft-com:vml" Requires="v">
-                <p:oleObj spid="_x0000_s15383" name="Equation" r:id="rId3" imgW="8661400" imgH="1955800" progId="Equation.DSMT4">
+                <p:oleObj spid="_x0000_s15386" name="Equation" r:id="rId3" imgW="8661400" imgH="1955800" progId="Equation.DSMT4">
                   <p:embed/>
                 </p:oleObj>
               </mc:Choice>
@@ -19604,8 +19740,8 @@
           </a:p>
         </p:txBody>
       </p:sp>
-      <mc:AlternateContent xmlns:mc="http://schemas.openxmlformats.org/markup-compatibility/2006">
-        <mc:Choice xmlns:a14="http://schemas.microsoft.com/office/drawing/2010/main" Requires="a14">
+      <mc:AlternateContent xmlns:mc="http://schemas.openxmlformats.org/markup-compatibility/2006" xmlns:a14="http://schemas.microsoft.com/office/drawing/2010/main">
+        <mc:Choice Requires="a14">
           <p:sp>
             <p:nvSpPr>
               <p:cNvPr id="2" name="TextBox 1">
@@ -19634,6 +19770,7 @@
               </a:bodyPr>
               <a:lstStyle/>
               <a:p>
+                <a:pPr/>
                 <a14:m>
                   <m:oMathPara xmlns:m="http://schemas.openxmlformats.org/officeDocument/2006/math">
                     <m:oMathParaPr>
@@ -19766,7 +19903,7 @@
             </p:txBody>
           </p:sp>
         </mc:Choice>
-        <mc:Fallback>
+        <mc:Fallback xmlns="">
           <p:sp>
             <p:nvSpPr>
               <p:cNvPr id="2" name="TextBox 1">
@@ -19811,8 +19948,8 @@
           </p:sp>
         </mc:Fallback>
       </mc:AlternateContent>
-      <mc:AlternateContent xmlns:mc="http://schemas.openxmlformats.org/markup-compatibility/2006">
-        <mc:Choice xmlns:a14="http://schemas.microsoft.com/office/drawing/2010/main" Requires="a14">
+      <mc:AlternateContent xmlns:mc="http://schemas.openxmlformats.org/markup-compatibility/2006" xmlns:a14="http://schemas.microsoft.com/office/drawing/2010/main">
+        <mc:Choice Requires="a14">
           <p:sp>
             <p:nvSpPr>
               <p:cNvPr id="3" name="TextBox 2">
@@ -19841,6 +19978,7 @@
               </a:bodyPr>
               <a:lstStyle/>
               <a:p>
+                <a:pPr/>
                 <a14:m>
                   <m:oMathPara xmlns:m="http://schemas.openxmlformats.org/officeDocument/2006/math">
                     <m:oMathParaPr>
@@ -19903,7 +20041,7 @@
             </p:txBody>
           </p:sp>
         </mc:Choice>
-        <mc:Fallback>
+        <mc:Fallback xmlns="">
           <p:sp>
             <p:nvSpPr>
               <p:cNvPr id="3" name="TextBox 2">
@@ -20948,7 +21086,7 @@
           <a:graphicData uri="http://schemas.openxmlformats.org/presentationml/2006/ole">
             <mc:AlternateContent xmlns:mc="http://schemas.openxmlformats.org/markup-compatibility/2006">
               <mc:Choice xmlns:v="urn:schemas-microsoft-com:vml" Requires="v">
-                <p:oleObj spid="_x0000_s18485" name="Equation" r:id="rId3" imgW="9144000" imgH="1016000" progId="Equation.DSMT4">
+                <p:oleObj spid="_x0000_s18491" name="Equation" r:id="rId3" imgW="9144000" imgH="1016000" progId="Equation.DSMT4">
                   <p:embed/>
                 </p:oleObj>
               </mc:Choice>
@@ -21212,7 +21350,7 @@
           <a:graphicData uri="http://schemas.openxmlformats.org/presentationml/2006/ole">
             <mc:AlternateContent xmlns:mc="http://schemas.openxmlformats.org/markup-compatibility/2006">
               <mc:Choice xmlns:v="urn:schemas-microsoft-com:vml" Requires="v">
-                <p:oleObj spid="_x0000_s18486" name="Equation" r:id="rId5" imgW="8686800" imgH="5181600" progId="Equation.DSMT4">
+                <p:oleObj spid="_x0000_s18492" name="Equation" r:id="rId5" imgW="8686800" imgH="5181600" progId="Equation.DSMT4">
                   <p:embed/>
                 </p:oleObj>
               </mc:Choice>

--- a/notes/optimization.pptx
+++ b/notes/optimization.pptx
@@ -7794,6 +7794,53 @@
           </p:sp>
         </mc:Fallback>
       </mc:AlternateContent>
+      <p:sp>
+        <p:nvSpPr>
+          <p:cNvPr id="4" name="TextBox 3">
+            <a:extLst>
+              <a:ext uri="{FF2B5EF4-FFF2-40B4-BE49-F238E27FC236}">
+                <a16:creationId xmlns:a16="http://schemas.microsoft.com/office/drawing/2014/main" id="{9B742980-0A10-624D-B0DA-840A48B32BBE}"/>
+              </a:ext>
+            </a:extLst>
+          </p:cNvPr>
+          <p:cNvSpPr txBox="1"/>
+          <p:nvPr/>
+        </p:nvSpPr>
+        <p:spPr>
+          <a:xfrm>
+            <a:off x="5762538" y="6503761"/>
+            <a:ext cx="3336170" cy="338554"/>
+          </a:xfrm>
+          <a:prstGeom prst="rect">
+            <a:avLst/>
+          </a:prstGeom>
+          <a:noFill/>
+        </p:spPr>
+        <p:txBody>
+          <a:bodyPr wrap="none" rtlCol="0">
+            <a:spAutoFit/>
+          </a:bodyPr>
+          <a:lstStyle/>
+          <a:p>
+            <a:r>
+              <a:rPr lang="en-US" sz="1600" dirty="0"/>
+              <a:t>(also called “</a:t>
+            </a:r>
+            <a:r>
+              <a:rPr lang="en-US" sz="1600" dirty="0">
+                <a:solidFill>
+                  <a:srgbClr val="0432FF"/>
+                </a:solidFill>
+              </a:rPr>
+              <a:t>epigraph</a:t>
+            </a:r>
+            <a:r>
+              <a:rPr lang="en-US" sz="1600" dirty="0"/>
+              <a:t>” reformulation)</a:t>
+            </a:r>
+          </a:p>
+        </p:txBody>
+      </p:sp>
     </p:spTree>
   </p:cSld>
   <p:clrMapOvr>
@@ -12942,6 +12989,53 @@
           </a:p>
         </p:txBody>
       </p:sp>
+      <p:sp>
+        <p:nvSpPr>
+          <p:cNvPr id="35" name="TextBox 34">
+            <a:extLst>
+              <a:ext uri="{FF2B5EF4-FFF2-40B4-BE49-F238E27FC236}">
+                <a16:creationId xmlns:a16="http://schemas.microsoft.com/office/drawing/2014/main" id="{7026A12D-6202-B44E-86B0-FD3C7AD5E830}"/>
+              </a:ext>
+            </a:extLst>
+          </p:cNvPr>
+          <p:cNvSpPr txBox="1"/>
+          <p:nvPr/>
+        </p:nvSpPr>
+        <p:spPr>
+          <a:xfrm>
+            <a:off x="5762538" y="6503761"/>
+            <a:ext cx="3336170" cy="338554"/>
+          </a:xfrm>
+          <a:prstGeom prst="rect">
+            <a:avLst/>
+          </a:prstGeom>
+          <a:noFill/>
+        </p:spPr>
+        <p:txBody>
+          <a:bodyPr wrap="none" rtlCol="0">
+            <a:spAutoFit/>
+          </a:bodyPr>
+          <a:lstStyle/>
+          <a:p>
+            <a:r>
+              <a:rPr lang="en-US" sz="1600" dirty="0"/>
+              <a:t>(also called “</a:t>
+            </a:r>
+            <a:r>
+              <a:rPr lang="en-US" sz="1600" dirty="0">
+                <a:solidFill>
+                  <a:srgbClr val="0432FF"/>
+                </a:solidFill>
+              </a:rPr>
+              <a:t>epigraph</a:t>
+            </a:r>
+            <a:r>
+              <a:rPr lang="en-US" sz="1600" dirty="0"/>
+              <a:t>” reformulation)</a:t>
+            </a:r>
+          </a:p>
+        </p:txBody>
+      </p:sp>
     </p:spTree>
   </p:cSld>
   <p:clrMapOvr>
@@ -17053,8 +17147,8 @@
           </p:sp>
         </mc:Fallback>
       </mc:AlternateContent>
-      <mc:AlternateContent xmlns:mc="http://schemas.openxmlformats.org/markup-compatibility/2006" xmlns:a14="http://schemas.microsoft.com/office/drawing/2010/main">
-        <mc:Choice Requires="a14">
+      <mc:AlternateContent xmlns:mc="http://schemas.openxmlformats.org/markup-compatibility/2006">
+        <mc:Choice xmlns:a14="http://schemas.microsoft.com/office/drawing/2010/main" Requires="a14">
           <p:sp>
             <p:nvSpPr>
               <p:cNvPr id="4" name="TextBox 3">
@@ -17069,8 +17163,8 @@
             </p:nvSpPr>
             <p:spPr>
               <a:xfrm>
-                <a:off x="5310354" y="1265548"/>
-                <a:ext cx="2286000" cy="1569660"/>
+                <a:off x="5334000" y="1283272"/>
+                <a:ext cx="3528846" cy="1569660"/>
               </a:xfrm>
               <a:prstGeom prst="rect">
                 <a:avLst/>
@@ -17152,12 +17246,16 @@
                     </m:r>
                   </m:oMath>
                 </a14:m>
-                <a:endParaRPr lang="en-US" dirty="0"/>
+                <a:r>
+                  <a:rPr lang="en-US" dirty="0"/>
+                  <a:t>, computed by a Monte-Carlo approx.</a:t>
+                </a:r>
+                <a:endParaRPr lang="el-GR" dirty="0"/>
               </a:p>
             </p:txBody>
           </p:sp>
         </mc:Choice>
-        <mc:Fallback xmlns="">
+        <mc:Fallback>
           <p:sp>
             <p:nvSpPr>
               <p:cNvPr id="4" name="TextBox 3">
@@ -17174,8 +17272,8 @@
             </p:nvSpPr>
             <p:spPr>
               <a:xfrm>
-                <a:off x="5310354" y="1265548"/>
-                <a:ext cx="2286000" cy="1569660"/>
+                <a:off x="5334000" y="1283272"/>
+                <a:ext cx="3528846" cy="1569660"/>
               </a:xfrm>
               <a:prstGeom prst="rect">
                 <a:avLst/>
@@ -17183,7 +17281,7 @@
               <a:blipFill>
                 <a:blip r:embed="rId3"/>
                 <a:stretch>
-                  <a:fillRect l="-3867" t="-3226" b="-7258"/>
+                  <a:fillRect l="-2878" t="-3200" b="-7200"/>
                 </a:stretch>
               </a:blipFill>
             </p:spPr>
@@ -17202,8 +17300,8 @@
           </p:sp>
         </mc:Fallback>
       </mc:AlternateContent>
-      <mc:AlternateContent xmlns:mc="http://schemas.openxmlformats.org/markup-compatibility/2006" xmlns:a14="http://schemas.microsoft.com/office/drawing/2010/main">
-        <mc:Choice Requires="a14">
+      <mc:AlternateContent xmlns:mc="http://schemas.openxmlformats.org/markup-compatibility/2006">
+        <mc:Choice xmlns:a14="http://schemas.microsoft.com/office/drawing/2010/main" Requires="a14">
           <p:sp>
             <p:nvSpPr>
               <p:cNvPr id="5" name="TextBox 4">
@@ -17285,7 +17383,23 @@
                       <a:srgbClr val="0070C0"/>
                     </a:solidFill>
                   </a:rPr>
-                  <a:t>can’t use </a:t>
+                  <a:t>can</a:t>
+                </a:r>
+                <a:r>
+                  <a:rPr lang="el-GR" dirty="0">
+                    <a:solidFill>
+                      <a:srgbClr val="0070C0"/>
+                    </a:solidFill>
+                  </a:rPr>
+                  <a:t>’</a:t>
+                </a:r>
+                <a:r>
+                  <a:rPr lang="en-US" dirty="0">
+                    <a:solidFill>
+                      <a:srgbClr val="0070C0"/>
+                    </a:solidFill>
+                  </a:rPr>
+                  <a:t>t use </a:t>
                 </a:r>
                 <a:r>
                   <a:rPr lang="en-US" dirty="0"/>
@@ -17295,7 +17409,7 @@
             </p:txBody>
           </p:sp>
         </mc:Choice>
-        <mc:Fallback xmlns="">
+        <mc:Fallback>
           <p:sp>
             <p:nvSpPr>
               <p:cNvPr id="5" name="TextBox 4">
@@ -17403,8 +17517,8 @@
           </a:p>
         </p:txBody>
       </p:sp>
-      <mc:AlternateContent xmlns:mc="http://schemas.openxmlformats.org/markup-compatibility/2006" xmlns:a14="http://schemas.microsoft.com/office/drawing/2010/main">
-        <mc:Choice Requires="a14">
+      <mc:AlternateContent xmlns:mc="http://schemas.openxmlformats.org/markup-compatibility/2006">
+        <mc:Choice xmlns:a14="http://schemas.microsoft.com/office/drawing/2010/main" Requires="a14">
           <p:sp>
             <p:nvSpPr>
               <p:cNvPr id="7" name="TextBox 6">
@@ -17480,13 +17594,16 @@
                 <a14:m>
                   <m:oMath xmlns:m="http://schemas.openxmlformats.org/officeDocument/2006/math">
                     <m:r>
-                      <a:rPr lang="en-US" b="0" i="1" smtClean="0">
+                      <m:rPr>
+                        <m:sty m:val="p"/>
+                      </m:rPr>
+                      <a:rPr lang="el-GR" b="0" i="0" smtClean="0">
                         <a:solidFill>
                           <a:srgbClr val="FF0000"/>
                         </a:solidFill>
                         <a:latin typeface="Cambria Math" panose="02040503050406030204" pitchFamily="18" charset="0"/>
                       </a:rPr>
-                      <m:t>𝜉</m:t>
+                      <m:t>Ξ</m:t>
                     </m:r>
                   </m:oMath>
                 </a14:m>
@@ -17555,16 +17672,13 @@
                       </m:naryPr>
                       <m:sub>
                         <m:r>
-                          <m:rPr>
-                            <m:brk m:alnAt="7"/>
-                          </m:rPr>
-                          <a:rPr lang="en-US" b="0" i="1" smtClean="0">
+                          <a:rPr lang="el-GR" b="0" i="1" smtClean="0">
                             <a:solidFill>
                               <a:srgbClr val="FF0000"/>
                             </a:solidFill>
                             <a:latin typeface="Cambria Math" panose="02040503050406030204" pitchFamily="18" charset="0"/>
                           </a:rPr>
-                          <m:t>𝑘</m:t>
+                          <m:t>𝜉</m:t>
                         </m:r>
                         <m:r>
                           <a:rPr lang="en-US" b="0" i="1" smtClean="0">
@@ -17576,42 +17690,29 @@
                           <m:t>∈</m:t>
                         </m:r>
                         <m:r>
-                          <a:rPr lang="en-US" b="0" i="1" smtClean="0">
+                          <m:rPr>
+                            <m:sty m:val="p"/>
+                          </m:rPr>
+                          <a:rPr lang="el-GR" b="0" i="0" smtClean="0">
                             <a:solidFill>
                               <a:srgbClr val="FF0000"/>
                             </a:solidFill>
                             <a:latin typeface="Cambria Math" panose="02040503050406030204" pitchFamily="18" charset="0"/>
                           </a:rPr>
-                          <m:t>𝜉</m:t>
+                          <m:t>Ξ</m:t>
                         </m:r>
                       </m:sub>
                       <m:sup/>
                       <m:e>
-                        <m:sSub>
-                          <m:sSubPr>
-                            <m:ctrlPr>
-                              <a:rPr lang="en-US" b="0" i="1" smtClean="0">
-                                <a:latin typeface="Cambria Math" panose="02040503050406030204" pitchFamily="18" charset="0"/>
-                              </a:rPr>
-                            </m:ctrlPr>
-                          </m:sSubPr>
-                          <m:e>
-                            <m:r>
-                              <a:rPr lang="en-US" b="0" i="1" smtClean="0">
-                                <a:latin typeface="Cambria Math" panose="02040503050406030204" pitchFamily="18" charset="0"/>
-                              </a:rPr>
-                              <m:t>𝑓</m:t>
-                            </m:r>
-                          </m:e>
-                          <m:sub>
-                            <m:r>
-                              <a:rPr lang="en-US" b="0" i="1" smtClean="0">
-                                <a:latin typeface="Cambria Math" panose="02040503050406030204" pitchFamily="18" charset="0"/>
-                              </a:rPr>
-                              <m:t>𝑘</m:t>
-                            </m:r>
-                          </m:sub>
-                        </m:sSub>
+                        <m:r>
+                          <a:rPr lang="en-US" b="0" i="1" smtClean="0">
+                            <a:solidFill>
+                              <a:schemeClr val="tx1"/>
+                            </a:solidFill>
+                            <a:latin typeface="Cambria Math" panose="02040503050406030204" pitchFamily="18" charset="0"/>
+                          </a:rPr>
+                          <m:t>𝑓</m:t>
+                        </m:r>
                         <m:d>
                           <m:dPr>
                             <m:ctrlPr>
@@ -17627,6 +17728,21 @@
                               </a:rPr>
                               <m:t>𝑥</m:t>
                             </m:r>
+                            <m:r>
+                              <a:rPr lang="en-US" b="0" i="1" smtClean="0">
+                                <a:latin typeface="Cambria Math" panose="02040503050406030204" pitchFamily="18" charset="0"/>
+                              </a:rPr>
+                              <m:t>,</m:t>
+                            </m:r>
+                            <m:r>
+                              <a:rPr lang="el-GR" b="0" i="1" smtClean="0">
+                                <a:solidFill>
+                                  <a:srgbClr val="FF0000"/>
+                                </a:solidFill>
+                                <a:latin typeface="Cambria Math" panose="02040503050406030204" pitchFamily="18" charset="0"/>
+                              </a:rPr>
+                              <m:t>𝜉</m:t>
+                            </m:r>
                           </m:e>
                         </m:d>
                       </m:e>
@@ -17638,7 +17754,7 @@
             </p:txBody>
           </p:sp>
         </mc:Choice>
-        <mc:Fallback xmlns="">
+        <mc:Fallback>
           <p:sp>
             <p:nvSpPr>
               <p:cNvPr id="7" name="TextBox 6">
@@ -19174,7 +19290,7 @@
           <a:graphicData uri="http://schemas.openxmlformats.org/presentationml/2006/ole">
             <mc:AlternateContent xmlns:mc="http://schemas.openxmlformats.org/markup-compatibility/2006">
               <mc:Choice xmlns:v="urn:schemas-microsoft-com:vml" Requires="v">
-                <p:oleObj spid="_x0000_s15386" name="Equation" r:id="rId3" imgW="8661400" imgH="1955800" progId="Equation.DSMT4">
+                <p:oleObj spid="_x0000_s15391" name="Equation" r:id="rId3" imgW="8661400" imgH="1955800" progId="Equation.DSMT4">
                   <p:embed/>
                 </p:oleObj>
               </mc:Choice>
@@ -21086,7 +21202,7 @@
           <a:graphicData uri="http://schemas.openxmlformats.org/presentationml/2006/ole">
             <mc:AlternateContent xmlns:mc="http://schemas.openxmlformats.org/markup-compatibility/2006">
               <mc:Choice xmlns:v="urn:schemas-microsoft-com:vml" Requires="v">
-                <p:oleObj spid="_x0000_s18491" name="Equation" r:id="rId3" imgW="9144000" imgH="1016000" progId="Equation.DSMT4">
+                <p:oleObj spid="_x0000_s18501" name="Equation" r:id="rId3" imgW="9144000" imgH="1016000" progId="Equation.DSMT4">
                   <p:embed/>
                 </p:oleObj>
               </mc:Choice>
@@ -21350,7 +21466,7 @@
           <a:graphicData uri="http://schemas.openxmlformats.org/presentationml/2006/ole">
             <mc:AlternateContent xmlns:mc="http://schemas.openxmlformats.org/markup-compatibility/2006">
               <mc:Choice xmlns:v="urn:schemas-microsoft-com:vml" Requires="v">
-                <p:oleObj spid="_x0000_s18492" name="Equation" r:id="rId5" imgW="8686800" imgH="5181600" progId="Equation.DSMT4">
+                <p:oleObj spid="_x0000_s18502" name="Equation" r:id="rId5" imgW="8686800" imgH="5181600" progId="Equation.DSMT4">
                   <p:embed/>
                 </p:oleObj>
               </mc:Choice>

--- a/notes/optimization.pptx
+++ b/notes/optimization.pptx
@@ -12,14 +12,15 @@
     <p:sldId id="260" r:id="rId6"/>
     <p:sldId id="262" r:id="rId7"/>
     <p:sldId id="263" r:id="rId8"/>
-    <p:sldId id="264" r:id="rId9"/>
-    <p:sldId id="265" r:id="rId10"/>
-    <p:sldId id="266" r:id="rId11"/>
-    <p:sldId id="267" r:id="rId12"/>
-    <p:sldId id="268" r:id="rId13"/>
-    <p:sldId id="270" r:id="rId14"/>
-    <p:sldId id="271" r:id="rId15"/>
-    <p:sldId id="269" r:id="rId16"/>
+    <p:sldId id="340" r:id="rId9"/>
+    <p:sldId id="264" r:id="rId10"/>
+    <p:sldId id="265" r:id="rId11"/>
+    <p:sldId id="266" r:id="rId12"/>
+    <p:sldId id="267" r:id="rId13"/>
+    <p:sldId id="268" r:id="rId14"/>
+    <p:sldId id="270" r:id="rId15"/>
+    <p:sldId id="271" r:id="rId16"/>
+    <p:sldId id="269" r:id="rId17"/>
   </p:sldIdLst>
   <p:sldSz cx="9144000" cy="6858000" type="screen4x3"/>
   <p:notesSz cx="6858000" cy="9144000"/>
@@ -3781,6 +3782,391 @@
 </file>
 
 <file path=ppt/slides/slide10.xml><?xml version="1.0" encoding="utf-8"?>
+<p:sld xmlns:a="http://schemas.openxmlformats.org/drawingml/2006/main" xmlns:r="http://schemas.openxmlformats.org/officeDocument/2006/relationships" xmlns:p="http://schemas.openxmlformats.org/presentationml/2006/main">
+  <p:cSld>
+    <p:spTree>
+      <p:nvGrpSpPr>
+        <p:cNvPr id="1" name=""/>
+        <p:cNvGrpSpPr/>
+        <p:nvPr/>
+      </p:nvGrpSpPr>
+      <p:grpSpPr>
+        <a:xfrm>
+          <a:off x="0" y="0"/>
+          <a:ext cx="0" cy="0"/>
+          <a:chOff x="0" y="0"/>
+          <a:chExt cx="0" cy="0"/>
+        </a:xfrm>
+      </p:grpSpPr>
+      <p:sp>
+        <p:nvSpPr>
+          <p:cNvPr id="21506" name="Rectangle 2">
+            <a:extLst>
+              <a:ext uri="{FF2B5EF4-FFF2-40B4-BE49-F238E27FC236}">
+                <a16:creationId xmlns:a16="http://schemas.microsoft.com/office/drawing/2014/main" id="{3C3E5631-988C-C645-A139-EF0B71FBA641}"/>
+              </a:ext>
+            </a:extLst>
+          </p:cNvPr>
+          <p:cNvSpPr>
+            <a:spLocks noGrp="1" noChangeArrowheads="1"/>
+          </p:cNvSpPr>
+          <p:nvPr>
+            <p:ph type="title"/>
+          </p:nvPr>
+        </p:nvSpPr>
+        <p:spPr>
+          <a:xfrm>
+            <a:off x="685800" y="76200"/>
+            <a:ext cx="7772400" cy="1143000"/>
+          </a:xfrm>
+        </p:spPr>
+        <p:txBody>
+          <a:bodyPr/>
+          <a:lstStyle/>
+          <a:p>
+            <a:pPr eaLnBrk="1" hangingPunct="1"/>
+            <a:r>
+              <a:rPr lang="en-US" altLang="en-US"/>
+              <a:t>Derivatives of </a:t>
+            </a:r>
+            <a:r>
+              <a:rPr lang="en-US" altLang="en-US" i="1"/>
+              <a:t>f</a:t>
+            </a:r>
+            <a:r>
+              <a:rPr lang="en-US" altLang="en-US" i="1" baseline="-25000"/>
+              <a:t>i</a:t>
+            </a:r>
+            <a:endParaRPr lang="en-US" altLang="en-US"/>
+          </a:p>
+        </p:txBody>
+      </p:sp>
+      <p:sp>
+        <p:nvSpPr>
+          <p:cNvPr id="21507" name="Rectangle 3">
+            <a:extLst>
+              <a:ext uri="{FF2B5EF4-FFF2-40B4-BE49-F238E27FC236}">
+                <a16:creationId xmlns:a16="http://schemas.microsoft.com/office/drawing/2014/main" id="{B6F88915-BEC4-FF4E-A4FC-7A2597ECFA36}"/>
+              </a:ext>
+            </a:extLst>
+          </p:cNvPr>
+          <p:cNvSpPr>
+            <a:spLocks noGrp="1" noChangeArrowheads="1"/>
+          </p:cNvSpPr>
+          <p:nvPr>
+            <p:ph type="body" idx="1"/>
+          </p:nvPr>
+        </p:nvSpPr>
+        <p:spPr>
+          <a:xfrm>
+            <a:off x="685800" y="1143000"/>
+            <a:ext cx="7772400" cy="4114800"/>
+          </a:xfrm>
+        </p:spPr>
+        <p:txBody>
+          <a:bodyPr/>
+          <a:lstStyle/>
+          <a:p>
+            <a:pPr eaLnBrk="1" hangingPunct="1">
+              <a:lnSpc>
+                <a:spcPct val="90000"/>
+              </a:lnSpc>
+            </a:pPr>
+            <a:r>
+              <a:rPr lang="en-US" altLang="en-US" sz="2800"/>
+              <a:t>Most-efficient algorithms typically </a:t>
+            </a:r>
+            <a:r>
+              <a:rPr lang="en-US" altLang="en-US" sz="2800">
+                <a:solidFill>
+                  <a:schemeClr val="accent2"/>
+                </a:solidFill>
+              </a:rPr>
+              <a:t>require user to supply the gradients </a:t>
+            </a:r>
+            <a:r>
+              <a:rPr lang="en-US" altLang="en-US" sz="2800">
+                <a:solidFill>
+                  <a:schemeClr val="accent2"/>
+                </a:solidFill>
+                <a:sym typeface="Symbol" pitchFamily="2" charset="2"/>
+              </a:rPr>
+              <a:t></a:t>
+            </a:r>
+            <a:r>
+              <a:rPr lang="en-US" altLang="en-US" sz="2800" i="1" baseline="-25000">
+                <a:solidFill>
+                  <a:schemeClr val="accent2"/>
+                </a:solidFill>
+                <a:sym typeface="Symbol" pitchFamily="2" charset="2"/>
+              </a:rPr>
+              <a:t>x</a:t>
+            </a:r>
+            <a:r>
+              <a:rPr lang="en-US" altLang="en-US" sz="2800" i="1">
+                <a:solidFill>
+                  <a:schemeClr val="accent2"/>
+                </a:solidFill>
+                <a:sym typeface="Symbol" pitchFamily="2" charset="2"/>
+              </a:rPr>
+              <a:t>f</a:t>
+            </a:r>
+            <a:r>
+              <a:rPr lang="en-US" altLang="en-US" sz="2800" i="1" baseline="-25000">
+                <a:solidFill>
+                  <a:schemeClr val="accent2"/>
+                </a:solidFill>
+                <a:sym typeface="Symbol" pitchFamily="2" charset="2"/>
+              </a:rPr>
+              <a:t>i</a:t>
+            </a:r>
+            <a:r>
+              <a:rPr lang="en-US" altLang="en-US" sz="2800" i="1" baseline="-25000">
+                <a:sym typeface="Symbol" pitchFamily="2" charset="2"/>
+              </a:rPr>
+              <a:t> </a:t>
+            </a:r>
+            <a:r>
+              <a:rPr lang="en-US" altLang="en-US" sz="2800"/>
+              <a:t> of objective/constraints </a:t>
+            </a:r>
+          </a:p>
+          <a:p>
+            <a:pPr lvl="1" eaLnBrk="1" hangingPunct="1">
+              <a:lnSpc>
+                <a:spcPct val="90000"/>
+              </a:lnSpc>
+            </a:pPr>
+            <a:r>
+              <a:rPr lang="en-US" altLang="en-US" sz="2400">
+                <a:ea typeface="ＭＳ Ｐゴシック" panose="020B0600070205080204" pitchFamily="34" charset="-128"/>
+              </a:rPr>
+              <a:t>you should </a:t>
+            </a:r>
+            <a:r>
+              <a:rPr lang="en-US" altLang="en-US" sz="2400" i="1">
+                <a:ea typeface="ＭＳ Ｐゴシック" panose="020B0600070205080204" pitchFamily="34" charset="-128"/>
+              </a:rPr>
+              <a:t>always</a:t>
+            </a:r>
+            <a:r>
+              <a:rPr lang="en-US" altLang="en-US" sz="2400">
+                <a:ea typeface="ＭＳ Ｐゴシック" panose="020B0600070205080204" pitchFamily="34" charset="-128"/>
+              </a:rPr>
+              <a:t> compute these analytically</a:t>
+            </a:r>
+          </a:p>
+          <a:p>
+            <a:pPr lvl="2" eaLnBrk="1" hangingPunct="1">
+              <a:lnSpc>
+                <a:spcPct val="90000"/>
+              </a:lnSpc>
+            </a:pPr>
+            <a:r>
+              <a:rPr lang="en-US" altLang="en-US" sz="2000">
+                <a:ea typeface="ＭＳ Ｐゴシック" panose="020B0600070205080204" pitchFamily="34" charset="-128"/>
+              </a:rPr>
+              <a:t>rather than use finite-difference approximations, better to just use a derivative-free optimization algorithm</a:t>
+            </a:r>
+          </a:p>
+          <a:p>
+            <a:pPr lvl="2" eaLnBrk="1" hangingPunct="1">
+              <a:lnSpc>
+                <a:spcPct val="90000"/>
+              </a:lnSpc>
+            </a:pPr>
+            <a:r>
+              <a:rPr lang="en-US" altLang="en-US" sz="2000">
+                <a:ea typeface="ＭＳ Ｐゴシック" panose="020B0600070205080204" pitchFamily="34" charset="-128"/>
+              </a:rPr>
+              <a:t>in principle, one can always compute </a:t>
+            </a:r>
+            <a:r>
+              <a:rPr lang="en-US" altLang="en-US" sz="2000">
+                <a:ea typeface="ＭＳ Ｐゴシック" panose="020B0600070205080204" pitchFamily="34" charset="-128"/>
+                <a:sym typeface="Symbol" pitchFamily="2" charset="2"/>
+              </a:rPr>
+              <a:t></a:t>
+            </a:r>
+            <a:r>
+              <a:rPr lang="en-US" altLang="en-US" sz="2000" i="1" baseline="-25000">
+                <a:ea typeface="ＭＳ Ｐゴシック" panose="020B0600070205080204" pitchFamily="34" charset="-128"/>
+                <a:sym typeface="Symbol" pitchFamily="2" charset="2"/>
+              </a:rPr>
+              <a:t>x</a:t>
+            </a:r>
+            <a:r>
+              <a:rPr lang="en-US" altLang="en-US" sz="2000" i="1">
+                <a:ea typeface="ＭＳ Ｐゴシック" panose="020B0600070205080204" pitchFamily="34" charset="-128"/>
+                <a:sym typeface="Symbol" pitchFamily="2" charset="2"/>
+              </a:rPr>
+              <a:t>f</a:t>
+            </a:r>
+            <a:r>
+              <a:rPr lang="en-US" altLang="en-US" sz="2000" i="1" baseline="-25000">
+                <a:ea typeface="ＭＳ Ｐゴシック" panose="020B0600070205080204" pitchFamily="34" charset="-128"/>
+                <a:sym typeface="Symbol" pitchFamily="2" charset="2"/>
+              </a:rPr>
+              <a:t>i</a:t>
+            </a:r>
+            <a:r>
+              <a:rPr lang="en-US" altLang="en-US" sz="2000">
+                <a:ea typeface="ＭＳ Ｐゴシック" panose="020B0600070205080204" pitchFamily="34" charset="-128"/>
+              </a:rPr>
+              <a:t> with about the same cost as </a:t>
+            </a:r>
+            <a:r>
+              <a:rPr lang="en-US" altLang="en-US" sz="2000" i="1">
+                <a:ea typeface="ＭＳ Ｐゴシック" panose="020B0600070205080204" pitchFamily="34" charset="-128"/>
+              </a:rPr>
+              <a:t>f</a:t>
+            </a:r>
+            <a:r>
+              <a:rPr lang="en-US" altLang="en-US" sz="2000" i="1" baseline="-25000">
+                <a:ea typeface="ＭＳ Ｐゴシック" panose="020B0600070205080204" pitchFamily="34" charset="-128"/>
+              </a:rPr>
+              <a:t>i</a:t>
+            </a:r>
+            <a:r>
+              <a:rPr lang="en-US" altLang="en-US" sz="2000">
+                <a:ea typeface="ＭＳ Ｐゴシック" panose="020B0600070205080204" pitchFamily="34" charset="-128"/>
+              </a:rPr>
+              <a:t>, using </a:t>
+            </a:r>
+            <a:r>
+              <a:rPr lang="en-US" altLang="en-US" sz="2000">
+                <a:solidFill>
+                  <a:srgbClr val="FF0000"/>
+                </a:solidFill>
+                <a:ea typeface="ＭＳ Ｐゴシック" panose="020B0600070205080204" pitchFamily="34" charset="-128"/>
+              </a:rPr>
+              <a:t>adjoint methods</a:t>
+            </a:r>
+            <a:endParaRPr lang="en-US" altLang="en-US" sz="2000">
+              <a:ea typeface="ＭＳ Ｐゴシック" panose="020B0600070205080204" pitchFamily="34" charset="-128"/>
+            </a:endParaRPr>
+          </a:p>
+          <a:p>
+            <a:pPr lvl="1" eaLnBrk="1" hangingPunct="1">
+              <a:lnSpc>
+                <a:spcPct val="90000"/>
+              </a:lnSpc>
+            </a:pPr>
+            <a:r>
+              <a:rPr lang="en-US" altLang="en-US" sz="2400">
+                <a:ea typeface="ＭＳ Ｐゴシック" panose="020B0600070205080204" pitchFamily="34" charset="-128"/>
+              </a:rPr>
+              <a:t>gradient-based methods can find (local) optima of problems with millions of design parameters</a:t>
+            </a:r>
+          </a:p>
+          <a:p>
+            <a:pPr eaLnBrk="1" hangingPunct="1">
+              <a:lnSpc>
+                <a:spcPct val="90000"/>
+              </a:lnSpc>
+            </a:pPr>
+            <a:r>
+              <a:rPr lang="en-US" altLang="en-US" sz="2800">
+                <a:solidFill>
+                  <a:schemeClr val="accent2"/>
+                </a:solidFill>
+              </a:rPr>
+              <a:t>Derivative-free</a:t>
+            </a:r>
+            <a:r>
+              <a:rPr lang="en-US" altLang="en-US" sz="2800"/>
+              <a:t> methods: only require </a:t>
+            </a:r>
+            <a:r>
+              <a:rPr lang="en-US" altLang="en-US" sz="2800" i="1"/>
+              <a:t>f</a:t>
+            </a:r>
+            <a:r>
+              <a:rPr lang="en-US" altLang="en-US" sz="2800" i="1" baseline="-25000"/>
+              <a:t>i</a:t>
+            </a:r>
+            <a:r>
+              <a:rPr lang="en-US" altLang="en-US" sz="2800"/>
+              <a:t> values</a:t>
+            </a:r>
+          </a:p>
+          <a:p>
+            <a:pPr lvl="1" eaLnBrk="1" hangingPunct="1">
+              <a:lnSpc>
+                <a:spcPct val="90000"/>
+              </a:lnSpc>
+            </a:pPr>
+            <a:r>
+              <a:rPr lang="en-US" altLang="en-US" sz="2400">
+                <a:ea typeface="ＭＳ Ｐゴシック" panose="020B0600070205080204" pitchFamily="34" charset="-128"/>
+              </a:rPr>
+              <a:t>easier to use, can work with complicated “black-box” functions where computing gradients is inconvenient</a:t>
+            </a:r>
+          </a:p>
+          <a:p>
+            <a:pPr lvl="1" eaLnBrk="1" hangingPunct="1">
+              <a:lnSpc>
+                <a:spcPct val="90000"/>
+              </a:lnSpc>
+            </a:pPr>
+            <a:r>
+              <a:rPr lang="en-US" altLang="en-US" sz="2400" i="1">
+                <a:ea typeface="ＭＳ Ｐゴシック" panose="020B0600070205080204" pitchFamily="34" charset="-128"/>
+              </a:rPr>
+              <a:t>may</a:t>
+            </a:r>
+            <a:r>
+              <a:rPr lang="en-US" altLang="en-US" sz="2400">
+                <a:ea typeface="ＭＳ Ｐゴシック" panose="020B0600070205080204" pitchFamily="34" charset="-128"/>
+              </a:rPr>
+              <a:t> be only possibility for nondifferentiable problems</a:t>
+            </a:r>
+          </a:p>
+          <a:p>
+            <a:pPr lvl="1" eaLnBrk="1" hangingPunct="1">
+              <a:lnSpc>
+                <a:spcPct val="90000"/>
+              </a:lnSpc>
+            </a:pPr>
+            <a:r>
+              <a:rPr lang="en-US" altLang="en-US" sz="2400">
+                <a:ea typeface="ＭＳ Ｐゴシック" panose="020B0600070205080204" pitchFamily="34" charset="-128"/>
+              </a:rPr>
+              <a:t>need &gt; </a:t>
+            </a:r>
+            <a:r>
+              <a:rPr lang="en-US" altLang="en-US" sz="2400" i="1">
+                <a:ea typeface="ＭＳ Ｐゴシック" panose="020B0600070205080204" pitchFamily="34" charset="-128"/>
+              </a:rPr>
+              <a:t>n</a:t>
+            </a:r>
+            <a:r>
+              <a:rPr lang="en-US" altLang="en-US" sz="2400">
+                <a:ea typeface="ＭＳ Ｐゴシック" panose="020B0600070205080204" pitchFamily="34" charset="-128"/>
+              </a:rPr>
+              <a:t> function evaluations, bad for large </a:t>
+            </a:r>
+            <a:r>
+              <a:rPr lang="en-US" altLang="en-US" sz="2400" i="1">
+                <a:ea typeface="ＭＳ Ｐゴシック" panose="020B0600070205080204" pitchFamily="34" charset="-128"/>
+              </a:rPr>
+              <a:t>n</a:t>
+            </a:r>
+            <a:endParaRPr lang="en-US" altLang="en-US" sz="2400">
+              <a:ea typeface="ＭＳ Ｐゴシック" panose="020B0600070205080204" pitchFamily="34" charset="-128"/>
+            </a:endParaRPr>
+          </a:p>
+        </p:txBody>
+      </p:sp>
+    </p:spTree>
+  </p:cSld>
+  <p:clrMapOvr>
+    <a:masterClrMapping/>
+  </p:clrMapOvr>
+</p:sld>
+</file>
+
+<file path=ppt/slides/slide11.xml><?xml version="1.0" encoding="utf-8"?>
 <p:sld xmlns:a="http://schemas.openxmlformats.org/drawingml/2006/main" xmlns:r="http://schemas.openxmlformats.org/officeDocument/2006/relationships" xmlns:p="http://schemas.openxmlformats.org/presentationml/2006/main">
   <p:cSld>
     <p:spTree>
@@ -7849,7 +8235,7 @@
 </p:sld>
 </file>
 
-<file path=ppt/slides/slide11.xml><?xml version="1.0" encoding="utf-8"?>
+<file path=ppt/slides/slide12.xml><?xml version="1.0" encoding="utf-8"?>
 <p:sld xmlns:a="http://schemas.openxmlformats.org/drawingml/2006/main" xmlns:r="http://schemas.openxmlformats.org/officeDocument/2006/relationships" xmlns:p="http://schemas.openxmlformats.org/presentationml/2006/main">
   <p:cSld>
     <p:spTree>
@@ -13044,7 +13430,7 @@
 </p:sld>
 </file>
 
-<file path=ppt/slides/slide12.xml><?xml version="1.0" encoding="utf-8"?>
+<file path=ppt/slides/slide13.xml><?xml version="1.0" encoding="utf-8"?>
 <p:sld xmlns:a="http://schemas.openxmlformats.org/drawingml/2006/main" xmlns:r="http://schemas.openxmlformats.org/officeDocument/2006/relationships" xmlns:p="http://schemas.openxmlformats.org/presentationml/2006/main">
   <p:cSld>
     <p:spTree>
@@ -13569,7 +13955,7 @@
 </p:sld>
 </file>
 
-<file path=ppt/slides/slide13.xml><?xml version="1.0" encoding="utf-8"?>
+<file path=ppt/slides/slide14.xml><?xml version="1.0" encoding="utf-8"?>
 <p:sld xmlns:a="http://schemas.openxmlformats.org/drawingml/2006/main" xmlns:r="http://schemas.openxmlformats.org/officeDocument/2006/relationships" xmlns:p="http://schemas.openxmlformats.org/presentationml/2006/main">
   <p:cSld>
     <p:spTree>
@@ -16871,7 +17257,7 @@
 </p:sld>
 </file>
 
-<file path=ppt/slides/slide14.xml><?xml version="1.0" encoding="utf-8"?>
+<file path=ppt/slides/slide15.xml><?xml version="1.0" encoding="utf-8"?>
 <p:sld xmlns:a="http://schemas.openxmlformats.org/drawingml/2006/main" xmlns:r="http://schemas.openxmlformats.org/officeDocument/2006/relationships" xmlns:p="http://schemas.openxmlformats.org/presentationml/2006/main">
   <p:cSld>
     <p:spTree>
@@ -17147,8 +17533,8 @@
           </p:sp>
         </mc:Fallback>
       </mc:AlternateContent>
-      <mc:AlternateContent xmlns:mc="http://schemas.openxmlformats.org/markup-compatibility/2006">
-        <mc:Choice xmlns:a14="http://schemas.microsoft.com/office/drawing/2010/main" Requires="a14">
+      <mc:AlternateContent xmlns:mc="http://schemas.openxmlformats.org/markup-compatibility/2006" xmlns:a14="http://schemas.microsoft.com/office/drawing/2010/main">
+        <mc:Choice Requires="a14">
           <p:sp>
             <p:nvSpPr>
               <p:cNvPr id="4" name="TextBox 3">
@@ -17255,7 +17641,7 @@
             </p:txBody>
           </p:sp>
         </mc:Choice>
-        <mc:Fallback>
+        <mc:Fallback xmlns="">
           <p:sp>
             <p:nvSpPr>
               <p:cNvPr id="4" name="TextBox 3">
@@ -17300,8 +17686,8 @@
           </p:sp>
         </mc:Fallback>
       </mc:AlternateContent>
-      <mc:AlternateContent xmlns:mc="http://schemas.openxmlformats.org/markup-compatibility/2006">
-        <mc:Choice xmlns:a14="http://schemas.microsoft.com/office/drawing/2010/main" Requires="a14">
+      <mc:AlternateContent xmlns:mc="http://schemas.openxmlformats.org/markup-compatibility/2006" xmlns:a14="http://schemas.microsoft.com/office/drawing/2010/main">
+        <mc:Choice Requires="a14">
           <p:sp>
             <p:nvSpPr>
               <p:cNvPr id="5" name="TextBox 4">
@@ -17409,7 +17795,7 @@
             </p:txBody>
           </p:sp>
         </mc:Choice>
-        <mc:Fallback>
+        <mc:Fallback xmlns="">
           <p:sp>
             <p:nvSpPr>
               <p:cNvPr id="5" name="TextBox 4">
@@ -17517,8 +17903,8 @@
           </a:p>
         </p:txBody>
       </p:sp>
-      <mc:AlternateContent xmlns:mc="http://schemas.openxmlformats.org/markup-compatibility/2006">
-        <mc:Choice xmlns:a14="http://schemas.microsoft.com/office/drawing/2010/main" Requires="a14">
+      <mc:AlternateContent xmlns:mc="http://schemas.openxmlformats.org/markup-compatibility/2006" xmlns:a14="http://schemas.microsoft.com/office/drawing/2010/main">
+        <mc:Choice Requires="a14">
           <p:sp>
             <p:nvSpPr>
               <p:cNvPr id="7" name="TextBox 6">
@@ -17754,7 +18140,7 @@
             </p:txBody>
           </p:sp>
         </mc:Choice>
-        <mc:Fallback>
+        <mc:Fallback xmlns="">
           <p:sp>
             <p:nvSpPr>
               <p:cNvPr id="7" name="TextBox 6">
@@ -17812,7 +18198,7 @@
 </p:sld>
 </file>
 
-<file path=ppt/slides/slide15.xml><?xml version="1.0" encoding="utf-8"?>
+<file path=ppt/slides/slide16.xml><?xml version="1.0" encoding="utf-8"?>
 <p:sld xmlns:a="http://schemas.openxmlformats.org/drawingml/2006/main" xmlns:r="http://schemas.openxmlformats.org/officeDocument/2006/relationships" xmlns:p="http://schemas.openxmlformats.org/presentationml/2006/main">
   <p:cSld>
     <p:spTree>
@@ -19290,7 +19676,7 @@
           <a:graphicData uri="http://schemas.openxmlformats.org/presentationml/2006/ole">
             <mc:AlternateContent xmlns:mc="http://schemas.openxmlformats.org/markup-compatibility/2006">
               <mc:Choice xmlns:v="urn:schemas-microsoft-com:vml" Requires="v">
-                <p:oleObj spid="_x0000_s15391" name="Equation" r:id="rId3" imgW="8661400" imgH="1955800" progId="Equation.DSMT4">
+                <p:oleObj spid="_x0000_s15392" name="Equation" r:id="rId3" imgW="8661400" imgH="1955800" progId="Equation.DSMT4">
                   <p:embed/>
                 </p:oleObj>
               </mc:Choice>
@@ -21202,7 +21588,7 @@
           <a:graphicData uri="http://schemas.openxmlformats.org/presentationml/2006/ole">
             <mc:AlternateContent xmlns:mc="http://schemas.openxmlformats.org/markup-compatibility/2006">
               <mc:Choice xmlns:v="urn:schemas-microsoft-com:vml" Requires="v">
-                <p:oleObj spid="_x0000_s18501" name="Equation" r:id="rId3" imgW="9144000" imgH="1016000" progId="Equation.DSMT4">
+                <p:oleObj spid="_x0000_s18503" name="Equation" r:id="rId3" imgW="9144000" imgH="1016000" progId="Equation.DSMT4">
                   <p:embed/>
                 </p:oleObj>
               </mc:Choice>
@@ -21466,7 +21852,7 @@
           <a:graphicData uri="http://schemas.openxmlformats.org/presentationml/2006/ole">
             <mc:AlternateContent xmlns:mc="http://schemas.openxmlformats.org/markup-compatibility/2006">
               <mc:Choice xmlns:v="urn:schemas-microsoft-com:vml" Requires="v">
-                <p:oleObj spid="_x0000_s18502" name="Equation" r:id="rId5" imgW="8686800" imgH="5181600" progId="Equation.DSMT4">
+                <p:oleObj spid="_x0000_s18504" name="Equation" r:id="rId5" imgW="8686800" imgH="5181600" progId="Equation.DSMT4">
                   <p:embed/>
                 </p:oleObj>
               </mc:Choice>
@@ -25661,6 +26047,1319 @@
       </p:grpSpPr>
       <p:sp>
         <p:nvSpPr>
+          <p:cNvPr id="2" name="Title 1">
+            <a:extLst>
+              <a:ext uri="{FF2B5EF4-FFF2-40B4-BE49-F238E27FC236}">
+                <a16:creationId xmlns:a16="http://schemas.microsoft.com/office/drawing/2014/main" id="{7FBF642F-6D19-5C45-A826-EFC14C2CAE19}"/>
+              </a:ext>
+            </a:extLst>
+          </p:cNvPr>
+          <p:cNvSpPr>
+            <a:spLocks noGrp="1"/>
+          </p:cNvSpPr>
+          <p:nvPr>
+            <p:ph type="title"/>
+          </p:nvPr>
+        </p:nvSpPr>
+        <p:spPr>
+          <a:xfrm>
+            <a:off x="685800" y="71438"/>
+            <a:ext cx="7772400" cy="1524000"/>
+          </a:xfrm>
+        </p:spPr>
+        <p:txBody>
+          <a:bodyPr/>
+          <a:lstStyle/>
+          <a:p>
+            <a:pPr>
+              <a:defRPr/>
+            </a:pPr>
+            <a:r>
+              <a:rPr lang="en-US" dirty="0"/>
+              <a:t>Non-convex local optimization:</a:t>
+            </a:r>
+            <a:br>
+              <a:rPr lang="en-US" dirty="0"/>
+            </a:br>
+            <a:r>
+              <a:rPr lang="en-US" dirty="0"/>
+              <a:t>a typical generic outline</a:t>
+            </a:r>
+          </a:p>
+        </p:txBody>
+      </p:sp>
+      <p:sp>
+        <p:nvSpPr>
+          <p:cNvPr id="33794" name="Oval 2">
+            <a:extLst>
+              <a:ext uri="{FF2B5EF4-FFF2-40B4-BE49-F238E27FC236}">
+                <a16:creationId xmlns:a16="http://schemas.microsoft.com/office/drawing/2014/main" id="{89CB8BE3-3A31-234E-8658-6AF0EA68AF8B}"/>
+              </a:ext>
+            </a:extLst>
+          </p:cNvPr>
+          <p:cNvSpPr>
+            <a:spLocks noChangeArrowheads="1"/>
+          </p:cNvSpPr>
+          <p:nvPr/>
+        </p:nvSpPr>
+        <p:spPr bwMode="auto">
+          <a:xfrm>
+            <a:off x="685800" y="2262188"/>
+            <a:ext cx="762000" cy="762000"/>
+          </a:xfrm>
+          <a:prstGeom prst="ellipse">
+            <a:avLst/>
+          </a:prstGeom>
+          <a:solidFill>
+            <a:srgbClr val="FFFF00"/>
+          </a:solidFill>
+          <a:ln w="9525">
+            <a:solidFill>
+              <a:schemeClr val="tx1"/>
+            </a:solidFill>
+            <a:round/>
+            <a:headEnd/>
+            <a:tailEnd/>
+          </a:ln>
+        </p:spPr>
+        <p:txBody>
+          <a:bodyPr/>
+          <a:lstStyle>
+            <a:lvl1pPr>
+              <a:defRPr sz="2400">
+                <a:solidFill>
+                  <a:schemeClr val="tx1"/>
+                </a:solidFill>
+                <a:latin typeface="Times" pitchFamily="2" charset="0"/>
+                <a:ea typeface="ＭＳ Ｐゴシック" panose="020B0600070205080204" pitchFamily="34" charset="-128"/>
+              </a:defRPr>
+            </a:lvl1pPr>
+            <a:lvl2pPr marL="742950" indent="-285750">
+              <a:defRPr sz="2400">
+                <a:solidFill>
+                  <a:schemeClr val="tx1"/>
+                </a:solidFill>
+                <a:latin typeface="Times" pitchFamily="2" charset="0"/>
+                <a:ea typeface="ＭＳ Ｐゴシック" panose="020B0600070205080204" pitchFamily="34" charset="-128"/>
+              </a:defRPr>
+            </a:lvl2pPr>
+            <a:lvl3pPr marL="1143000" indent="-228600">
+              <a:defRPr sz="2400">
+                <a:solidFill>
+                  <a:schemeClr val="tx1"/>
+                </a:solidFill>
+                <a:latin typeface="Times" pitchFamily="2" charset="0"/>
+                <a:ea typeface="ＭＳ Ｐゴシック" panose="020B0600070205080204" pitchFamily="34" charset="-128"/>
+              </a:defRPr>
+            </a:lvl3pPr>
+            <a:lvl4pPr marL="1600200" indent="-228600">
+              <a:defRPr sz="2400">
+                <a:solidFill>
+                  <a:schemeClr val="tx1"/>
+                </a:solidFill>
+                <a:latin typeface="Times" pitchFamily="2" charset="0"/>
+                <a:ea typeface="ＭＳ Ｐゴシック" panose="020B0600070205080204" pitchFamily="34" charset="-128"/>
+              </a:defRPr>
+            </a:lvl4pPr>
+            <a:lvl5pPr marL="2057400" indent="-228600">
+              <a:defRPr sz="2400">
+                <a:solidFill>
+                  <a:schemeClr val="tx1"/>
+                </a:solidFill>
+                <a:latin typeface="Times" pitchFamily="2" charset="0"/>
+                <a:ea typeface="ＭＳ Ｐゴシック" panose="020B0600070205080204" pitchFamily="34" charset="-128"/>
+              </a:defRPr>
+            </a:lvl5pPr>
+            <a:lvl6pPr marL="2514600" indent="-228600" eaLnBrk="0" fontAlgn="base" hangingPunct="0">
+              <a:spcBef>
+                <a:spcPct val="0"/>
+              </a:spcBef>
+              <a:spcAft>
+                <a:spcPct val="0"/>
+              </a:spcAft>
+              <a:defRPr sz="2400">
+                <a:solidFill>
+                  <a:schemeClr val="tx1"/>
+                </a:solidFill>
+                <a:latin typeface="Times" pitchFamily="2" charset="0"/>
+                <a:ea typeface="ＭＳ Ｐゴシック" panose="020B0600070205080204" pitchFamily="34" charset="-128"/>
+              </a:defRPr>
+            </a:lvl6pPr>
+            <a:lvl7pPr marL="2971800" indent="-228600" eaLnBrk="0" fontAlgn="base" hangingPunct="0">
+              <a:spcBef>
+                <a:spcPct val="0"/>
+              </a:spcBef>
+              <a:spcAft>
+                <a:spcPct val="0"/>
+              </a:spcAft>
+              <a:defRPr sz="2400">
+                <a:solidFill>
+                  <a:schemeClr val="tx1"/>
+                </a:solidFill>
+                <a:latin typeface="Times" pitchFamily="2" charset="0"/>
+                <a:ea typeface="ＭＳ Ｐゴシック" panose="020B0600070205080204" pitchFamily="34" charset="-128"/>
+              </a:defRPr>
+            </a:lvl7pPr>
+            <a:lvl8pPr marL="3429000" indent="-228600" eaLnBrk="0" fontAlgn="base" hangingPunct="0">
+              <a:spcBef>
+                <a:spcPct val="0"/>
+              </a:spcBef>
+              <a:spcAft>
+                <a:spcPct val="0"/>
+              </a:spcAft>
+              <a:defRPr sz="2400">
+                <a:solidFill>
+                  <a:schemeClr val="tx1"/>
+                </a:solidFill>
+                <a:latin typeface="Times" pitchFamily="2" charset="0"/>
+                <a:ea typeface="ＭＳ Ｐゴシック" panose="020B0600070205080204" pitchFamily="34" charset="-128"/>
+              </a:defRPr>
+            </a:lvl8pPr>
+            <a:lvl9pPr marL="3886200" indent="-228600" eaLnBrk="0" fontAlgn="base" hangingPunct="0">
+              <a:spcBef>
+                <a:spcPct val="0"/>
+              </a:spcBef>
+              <a:spcAft>
+                <a:spcPct val="0"/>
+              </a:spcAft>
+              <a:defRPr sz="2400">
+                <a:solidFill>
+                  <a:schemeClr val="tx1"/>
+                </a:solidFill>
+                <a:latin typeface="Times" pitchFamily="2" charset="0"/>
+                <a:ea typeface="ＭＳ Ｐゴシック" panose="020B0600070205080204" pitchFamily="34" charset="-128"/>
+              </a:defRPr>
+            </a:lvl9pPr>
+          </a:lstStyle>
+          <a:p>
+            <a:pPr algn="ctr"/>
+            <a:r>
+              <a:rPr lang="en-US" altLang="en-US" sz="2800" b="1"/>
+              <a:t>1</a:t>
+            </a:r>
+          </a:p>
+        </p:txBody>
+      </p:sp>
+      <p:sp>
+        <p:nvSpPr>
+          <p:cNvPr id="33795" name="TextBox 3">
+            <a:extLst>
+              <a:ext uri="{FF2B5EF4-FFF2-40B4-BE49-F238E27FC236}">
+                <a16:creationId xmlns:a16="http://schemas.microsoft.com/office/drawing/2014/main" id="{CA5EFC81-494E-9A40-B02D-65307B064E2B}"/>
+              </a:ext>
+            </a:extLst>
+          </p:cNvPr>
+          <p:cNvSpPr txBox="1">
+            <a:spLocks noChangeArrowheads="1"/>
+          </p:cNvSpPr>
+          <p:nvPr/>
+        </p:nvSpPr>
+        <p:spPr bwMode="auto">
+          <a:xfrm>
+            <a:off x="1752600" y="2338388"/>
+            <a:ext cx="6932613" cy="954087"/>
+          </a:xfrm>
+          <a:prstGeom prst="rect">
+            <a:avLst/>
+          </a:prstGeom>
+          <a:noFill/>
+          <a:ln>
+            <a:noFill/>
+          </a:ln>
+          <a:extLst>
+            <a:ext uri="{909E8E84-426E-40DD-AFC4-6F175D3DCCD1}">
+              <a14:hiddenFill xmlns:a14="http://schemas.microsoft.com/office/drawing/2010/main">
+                <a:solidFill>
+                  <a:srgbClr val="FFFFFF"/>
+                </a:solidFill>
+              </a14:hiddenFill>
+            </a:ext>
+            <a:ext uri="{91240B29-F687-4F45-9708-019B960494DF}">
+              <a14:hiddenLine xmlns:a14="http://schemas.microsoft.com/office/drawing/2010/main" w="9525">
+                <a:solidFill>
+                  <a:srgbClr val="000000"/>
+                </a:solidFill>
+                <a:miter lim="800000"/>
+                <a:headEnd/>
+                <a:tailEnd/>
+              </a14:hiddenLine>
+            </a:ext>
+          </a:extLst>
+        </p:spPr>
+        <p:txBody>
+          <a:bodyPr wrap="none">
+            <a:spAutoFit/>
+          </a:bodyPr>
+          <a:lstStyle>
+            <a:lvl1pPr>
+              <a:defRPr sz="2400">
+                <a:solidFill>
+                  <a:schemeClr val="tx1"/>
+                </a:solidFill>
+                <a:latin typeface="Times" pitchFamily="2" charset="0"/>
+                <a:ea typeface="ＭＳ Ｐゴシック" panose="020B0600070205080204" pitchFamily="34" charset="-128"/>
+              </a:defRPr>
+            </a:lvl1pPr>
+            <a:lvl2pPr marL="742950" indent="-285750">
+              <a:defRPr sz="2400">
+                <a:solidFill>
+                  <a:schemeClr val="tx1"/>
+                </a:solidFill>
+                <a:latin typeface="Times" pitchFamily="2" charset="0"/>
+                <a:ea typeface="ＭＳ Ｐゴシック" panose="020B0600070205080204" pitchFamily="34" charset="-128"/>
+              </a:defRPr>
+            </a:lvl2pPr>
+            <a:lvl3pPr marL="1143000" indent="-228600">
+              <a:defRPr sz="2400">
+                <a:solidFill>
+                  <a:schemeClr val="tx1"/>
+                </a:solidFill>
+                <a:latin typeface="Times" pitchFamily="2" charset="0"/>
+                <a:ea typeface="ＭＳ Ｐゴシック" panose="020B0600070205080204" pitchFamily="34" charset="-128"/>
+              </a:defRPr>
+            </a:lvl3pPr>
+            <a:lvl4pPr marL="1600200" indent="-228600">
+              <a:defRPr sz="2400">
+                <a:solidFill>
+                  <a:schemeClr val="tx1"/>
+                </a:solidFill>
+                <a:latin typeface="Times" pitchFamily="2" charset="0"/>
+                <a:ea typeface="ＭＳ Ｐゴシック" panose="020B0600070205080204" pitchFamily="34" charset="-128"/>
+              </a:defRPr>
+            </a:lvl4pPr>
+            <a:lvl5pPr marL="2057400" indent="-228600">
+              <a:defRPr sz="2400">
+                <a:solidFill>
+                  <a:schemeClr val="tx1"/>
+                </a:solidFill>
+                <a:latin typeface="Times" pitchFamily="2" charset="0"/>
+                <a:ea typeface="ＭＳ Ｐゴシック" panose="020B0600070205080204" pitchFamily="34" charset="-128"/>
+              </a:defRPr>
+            </a:lvl5pPr>
+            <a:lvl6pPr marL="2514600" indent="-228600" eaLnBrk="0" fontAlgn="base" hangingPunct="0">
+              <a:spcBef>
+                <a:spcPct val="0"/>
+              </a:spcBef>
+              <a:spcAft>
+                <a:spcPct val="0"/>
+              </a:spcAft>
+              <a:defRPr sz="2400">
+                <a:solidFill>
+                  <a:schemeClr val="tx1"/>
+                </a:solidFill>
+                <a:latin typeface="Times" pitchFamily="2" charset="0"/>
+                <a:ea typeface="ＭＳ Ｐゴシック" panose="020B0600070205080204" pitchFamily="34" charset="-128"/>
+              </a:defRPr>
+            </a:lvl6pPr>
+            <a:lvl7pPr marL="2971800" indent="-228600" eaLnBrk="0" fontAlgn="base" hangingPunct="0">
+              <a:spcBef>
+                <a:spcPct val="0"/>
+              </a:spcBef>
+              <a:spcAft>
+                <a:spcPct val="0"/>
+              </a:spcAft>
+              <a:defRPr sz="2400">
+                <a:solidFill>
+                  <a:schemeClr val="tx1"/>
+                </a:solidFill>
+                <a:latin typeface="Times" pitchFamily="2" charset="0"/>
+                <a:ea typeface="ＭＳ Ｐゴシック" panose="020B0600070205080204" pitchFamily="34" charset="-128"/>
+              </a:defRPr>
+            </a:lvl7pPr>
+            <a:lvl8pPr marL="3429000" indent="-228600" eaLnBrk="0" fontAlgn="base" hangingPunct="0">
+              <a:spcBef>
+                <a:spcPct val="0"/>
+              </a:spcBef>
+              <a:spcAft>
+                <a:spcPct val="0"/>
+              </a:spcAft>
+              <a:defRPr sz="2400">
+                <a:solidFill>
+                  <a:schemeClr val="tx1"/>
+                </a:solidFill>
+                <a:latin typeface="Times" pitchFamily="2" charset="0"/>
+                <a:ea typeface="ＭＳ Ｐゴシック" panose="020B0600070205080204" pitchFamily="34" charset="-128"/>
+              </a:defRPr>
+            </a:lvl8pPr>
+            <a:lvl9pPr marL="3886200" indent="-228600" eaLnBrk="0" fontAlgn="base" hangingPunct="0">
+              <a:spcBef>
+                <a:spcPct val="0"/>
+              </a:spcBef>
+              <a:spcAft>
+                <a:spcPct val="0"/>
+              </a:spcAft>
+              <a:defRPr sz="2400">
+                <a:solidFill>
+                  <a:schemeClr val="tx1"/>
+                </a:solidFill>
+                <a:latin typeface="Times" pitchFamily="2" charset="0"/>
+                <a:ea typeface="ＭＳ Ｐゴシック" panose="020B0600070205080204" pitchFamily="34" charset="-128"/>
+              </a:defRPr>
+            </a:lvl9pPr>
+          </a:lstStyle>
+          <a:p>
+            <a:r>
+              <a:rPr lang="en-US" altLang="en-US" sz="2800"/>
+              <a:t>At current </a:t>
+            </a:r>
+            <a:r>
+              <a:rPr lang="en-US" altLang="en-US" sz="2800" b="1"/>
+              <a:t>x</a:t>
+            </a:r>
+            <a:r>
+              <a:rPr lang="en-US" altLang="en-US" sz="2800"/>
+              <a:t>, </a:t>
+            </a:r>
+            <a:r>
+              <a:rPr lang="en-US" altLang="en-US" sz="2800">
+                <a:solidFill>
+                  <a:srgbClr val="FF0000"/>
+                </a:solidFill>
+              </a:rPr>
+              <a:t>construct approximate model of </a:t>
+            </a:r>
+            <a:r>
+              <a:rPr lang="en-US" altLang="en-US" sz="2800" i="1">
+                <a:solidFill>
+                  <a:srgbClr val="FF0000"/>
+                </a:solidFill>
+              </a:rPr>
+              <a:t>f</a:t>
+            </a:r>
+            <a:r>
+              <a:rPr lang="en-US" altLang="en-US" sz="2800" i="1" baseline="-25000">
+                <a:solidFill>
+                  <a:srgbClr val="FF0000"/>
+                </a:solidFill>
+              </a:rPr>
+              <a:t>i</a:t>
+            </a:r>
+            <a:endParaRPr lang="en-US" altLang="en-US" sz="2800">
+              <a:solidFill>
+                <a:srgbClr val="FF0000"/>
+              </a:solidFill>
+            </a:endParaRPr>
+          </a:p>
+          <a:p>
+            <a:r>
+              <a:rPr lang="en-US" altLang="en-US" sz="2800"/>
+              <a:t>—e.g. affine, quadratic, … often convex</a:t>
+            </a:r>
+          </a:p>
+        </p:txBody>
+      </p:sp>
+      <p:sp>
+        <p:nvSpPr>
+          <p:cNvPr id="33796" name="Oval 4">
+            <a:extLst>
+              <a:ext uri="{FF2B5EF4-FFF2-40B4-BE49-F238E27FC236}">
+                <a16:creationId xmlns:a16="http://schemas.microsoft.com/office/drawing/2014/main" id="{C5097D07-886A-3548-93F6-7F398A6ABB37}"/>
+              </a:ext>
+            </a:extLst>
+          </p:cNvPr>
+          <p:cNvSpPr>
+            <a:spLocks noChangeArrowheads="1"/>
+          </p:cNvSpPr>
+          <p:nvPr/>
+        </p:nvSpPr>
+        <p:spPr bwMode="auto">
+          <a:xfrm>
+            <a:off x="685800" y="3670300"/>
+            <a:ext cx="762000" cy="762000"/>
+          </a:xfrm>
+          <a:prstGeom prst="ellipse">
+            <a:avLst/>
+          </a:prstGeom>
+          <a:solidFill>
+            <a:srgbClr val="FFFF00"/>
+          </a:solidFill>
+          <a:ln w="9525">
+            <a:solidFill>
+              <a:schemeClr val="tx1"/>
+            </a:solidFill>
+            <a:round/>
+            <a:headEnd/>
+            <a:tailEnd/>
+          </a:ln>
+        </p:spPr>
+        <p:txBody>
+          <a:bodyPr/>
+          <a:lstStyle>
+            <a:lvl1pPr>
+              <a:defRPr sz="2400">
+                <a:solidFill>
+                  <a:schemeClr val="tx1"/>
+                </a:solidFill>
+                <a:latin typeface="Times" pitchFamily="2" charset="0"/>
+                <a:ea typeface="ＭＳ Ｐゴシック" panose="020B0600070205080204" pitchFamily="34" charset="-128"/>
+              </a:defRPr>
+            </a:lvl1pPr>
+            <a:lvl2pPr marL="742950" indent="-285750">
+              <a:defRPr sz="2400">
+                <a:solidFill>
+                  <a:schemeClr val="tx1"/>
+                </a:solidFill>
+                <a:latin typeface="Times" pitchFamily="2" charset="0"/>
+                <a:ea typeface="ＭＳ Ｐゴシック" panose="020B0600070205080204" pitchFamily="34" charset="-128"/>
+              </a:defRPr>
+            </a:lvl2pPr>
+            <a:lvl3pPr marL="1143000" indent="-228600">
+              <a:defRPr sz="2400">
+                <a:solidFill>
+                  <a:schemeClr val="tx1"/>
+                </a:solidFill>
+                <a:latin typeface="Times" pitchFamily="2" charset="0"/>
+                <a:ea typeface="ＭＳ Ｐゴシック" panose="020B0600070205080204" pitchFamily="34" charset="-128"/>
+              </a:defRPr>
+            </a:lvl3pPr>
+            <a:lvl4pPr marL="1600200" indent="-228600">
+              <a:defRPr sz="2400">
+                <a:solidFill>
+                  <a:schemeClr val="tx1"/>
+                </a:solidFill>
+                <a:latin typeface="Times" pitchFamily="2" charset="0"/>
+                <a:ea typeface="ＭＳ Ｐゴシック" panose="020B0600070205080204" pitchFamily="34" charset="-128"/>
+              </a:defRPr>
+            </a:lvl4pPr>
+            <a:lvl5pPr marL="2057400" indent="-228600">
+              <a:defRPr sz="2400">
+                <a:solidFill>
+                  <a:schemeClr val="tx1"/>
+                </a:solidFill>
+                <a:latin typeface="Times" pitchFamily="2" charset="0"/>
+                <a:ea typeface="ＭＳ Ｐゴシック" panose="020B0600070205080204" pitchFamily="34" charset="-128"/>
+              </a:defRPr>
+            </a:lvl5pPr>
+            <a:lvl6pPr marL="2514600" indent="-228600" eaLnBrk="0" fontAlgn="base" hangingPunct="0">
+              <a:spcBef>
+                <a:spcPct val="0"/>
+              </a:spcBef>
+              <a:spcAft>
+                <a:spcPct val="0"/>
+              </a:spcAft>
+              <a:defRPr sz="2400">
+                <a:solidFill>
+                  <a:schemeClr val="tx1"/>
+                </a:solidFill>
+                <a:latin typeface="Times" pitchFamily="2" charset="0"/>
+                <a:ea typeface="ＭＳ Ｐゴシック" panose="020B0600070205080204" pitchFamily="34" charset="-128"/>
+              </a:defRPr>
+            </a:lvl6pPr>
+            <a:lvl7pPr marL="2971800" indent="-228600" eaLnBrk="0" fontAlgn="base" hangingPunct="0">
+              <a:spcBef>
+                <a:spcPct val="0"/>
+              </a:spcBef>
+              <a:spcAft>
+                <a:spcPct val="0"/>
+              </a:spcAft>
+              <a:defRPr sz="2400">
+                <a:solidFill>
+                  <a:schemeClr val="tx1"/>
+                </a:solidFill>
+                <a:latin typeface="Times" pitchFamily="2" charset="0"/>
+                <a:ea typeface="ＭＳ Ｐゴシック" panose="020B0600070205080204" pitchFamily="34" charset="-128"/>
+              </a:defRPr>
+            </a:lvl7pPr>
+            <a:lvl8pPr marL="3429000" indent="-228600" eaLnBrk="0" fontAlgn="base" hangingPunct="0">
+              <a:spcBef>
+                <a:spcPct val="0"/>
+              </a:spcBef>
+              <a:spcAft>
+                <a:spcPct val="0"/>
+              </a:spcAft>
+              <a:defRPr sz="2400">
+                <a:solidFill>
+                  <a:schemeClr val="tx1"/>
+                </a:solidFill>
+                <a:latin typeface="Times" pitchFamily="2" charset="0"/>
+                <a:ea typeface="ＭＳ Ｐゴシック" panose="020B0600070205080204" pitchFamily="34" charset="-128"/>
+              </a:defRPr>
+            </a:lvl8pPr>
+            <a:lvl9pPr marL="3886200" indent="-228600" eaLnBrk="0" fontAlgn="base" hangingPunct="0">
+              <a:spcBef>
+                <a:spcPct val="0"/>
+              </a:spcBef>
+              <a:spcAft>
+                <a:spcPct val="0"/>
+              </a:spcAft>
+              <a:defRPr sz="2400">
+                <a:solidFill>
+                  <a:schemeClr val="tx1"/>
+                </a:solidFill>
+                <a:latin typeface="Times" pitchFamily="2" charset="0"/>
+                <a:ea typeface="ＭＳ Ｐゴシック" panose="020B0600070205080204" pitchFamily="34" charset="-128"/>
+              </a:defRPr>
+            </a:lvl9pPr>
+          </a:lstStyle>
+          <a:p>
+            <a:pPr algn="ctr"/>
+            <a:r>
+              <a:rPr lang="en-US" altLang="en-US" sz="2800" b="1"/>
+              <a:t>2</a:t>
+            </a:r>
+          </a:p>
+        </p:txBody>
+      </p:sp>
+      <p:sp>
+        <p:nvSpPr>
+          <p:cNvPr id="33797" name="TextBox 5">
+            <a:extLst>
+              <a:ext uri="{FF2B5EF4-FFF2-40B4-BE49-F238E27FC236}">
+                <a16:creationId xmlns:a16="http://schemas.microsoft.com/office/drawing/2014/main" id="{76A5A706-70F0-E04F-BCF0-F47F59147F96}"/>
+              </a:ext>
+            </a:extLst>
+          </p:cNvPr>
+          <p:cNvSpPr txBox="1">
+            <a:spLocks noChangeArrowheads="1"/>
+          </p:cNvSpPr>
+          <p:nvPr/>
+        </p:nvSpPr>
+        <p:spPr bwMode="auto">
+          <a:xfrm>
+            <a:off x="1752600" y="3746500"/>
+            <a:ext cx="7191375" cy="954088"/>
+          </a:xfrm>
+          <a:prstGeom prst="rect">
+            <a:avLst/>
+          </a:prstGeom>
+          <a:noFill/>
+          <a:ln>
+            <a:noFill/>
+          </a:ln>
+          <a:extLst>
+            <a:ext uri="{909E8E84-426E-40DD-AFC4-6F175D3DCCD1}">
+              <a14:hiddenFill xmlns:a14="http://schemas.microsoft.com/office/drawing/2010/main">
+                <a:solidFill>
+                  <a:srgbClr val="FFFFFF"/>
+                </a:solidFill>
+              </a14:hiddenFill>
+            </a:ext>
+            <a:ext uri="{91240B29-F687-4F45-9708-019B960494DF}">
+              <a14:hiddenLine xmlns:a14="http://schemas.microsoft.com/office/drawing/2010/main" w="9525">
+                <a:solidFill>
+                  <a:srgbClr val="000000"/>
+                </a:solidFill>
+                <a:miter lim="800000"/>
+                <a:headEnd/>
+                <a:tailEnd/>
+              </a14:hiddenLine>
+            </a:ext>
+          </a:extLst>
+        </p:spPr>
+        <p:txBody>
+          <a:bodyPr wrap="none">
+            <a:spAutoFit/>
+          </a:bodyPr>
+          <a:lstStyle>
+            <a:lvl1pPr>
+              <a:defRPr sz="2400">
+                <a:solidFill>
+                  <a:schemeClr val="tx1"/>
+                </a:solidFill>
+                <a:latin typeface="Times" pitchFamily="2" charset="0"/>
+                <a:ea typeface="ＭＳ Ｐゴシック" panose="020B0600070205080204" pitchFamily="34" charset="-128"/>
+              </a:defRPr>
+            </a:lvl1pPr>
+            <a:lvl2pPr marL="742950" indent="-285750">
+              <a:defRPr sz="2400">
+                <a:solidFill>
+                  <a:schemeClr val="tx1"/>
+                </a:solidFill>
+                <a:latin typeface="Times" pitchFamily="2" charset="0"/>
+                <a:ea typeface="ＭＳ Ｐゴシック" panose="020B0600070205080204" pitchFamily="34" charset="-128"/>
+              </a:defRPr>
+            </a:lvl2pPr>
+            <a:lvl3pPr marL="1143000" indent="-228600">
+              <a:defRPr sz="2400">
+                <a:solidFill>
+                  <a:schemeClr val="tx1"/>
+                </a:solidFill>
+                <a:latin typeface="Times" pitchFamily="2" charset="0"/>
+                <a:ea typeface="ＭＳ Ｐゴシック" panose="020B0600070205080204" pitchFamily="34" charset="-128"/>
+              </a:defRPr>
+            </a:lvl3pPr>
+            <a:lvl4pPr marL="1600200" indent="-228600">
+              <a:defRPr sz="2400">
+                <a:solidFill>
+                  <a:schemeClr val="tx1"/>
+                </a:solidFill>
+                <a:latin typeface="Times" pitchFamily="2" charset="0"/>
+                <a:ea typeface="ＭＳ Ｐゴシック" panose="020B0600070205080204" pitchFamily="34" charset="-128"/>
+              </a:defRPr>
+            </a:lvl4pPr>
+            <a:lvl5pPr marL="2057400" indent="-228600">
+              <a:defRPr sz="2400">
+                <a:solidFill>
+                  <a:schemeClr val="tx1"/>
+                </a:solidFill>
+                <a:latin typeface="Times" pitchFamily="2" charset="0"/>
+                <a:ea typeface="ＭＳ Ｐゴシック" panose="020B0600070205080204" pitchFamily="34" charset="-128"/>
+              </a:defRPr>
+            </a:lvl5pPr>
+            <a:lvl6pPr marL="2514600" indent="-228600" eaLnBrk="0" fontAlgn="base" hangingPunct="0">
+              <a:spcBef>
+                <a:spcPct val="0"/>
+              </a:spcBef>
+              <a:spcAft>
+                <a:spcPct val="0"/>
+              </a:spcAft>
+              <a:defRPr sz="2400">
+                <a:solidFill>
+                  <a:schemeClr val="tx1"/>
+                </a:solidFill>
+                <a:latin typeface="Times" pitchFamily="2" charset="0"/>
+                <a:ea typeface="ＭＳ Ｐゴシック" panose="020B0600070205080204" pitchFamily="34" charset="-128"/>
+              </a:defRPr>
+            </a:lvl6pPr>
+            <a:lvl7pPr marL="2971800" indent="-228600" eaLnBrk="0" fontAlgn="base" hangingPunct="0">
+              <a:spcBef>
+                <a:spcPct val="0"/>
+              </a:spcBef>
+              <a:spcAft>
+                <a:spcPct val="0"/>
+              </a:spcAft>
+              <a:defRPr sz="2400">
+                <a:solidFill>
+                  <a:schemeClr val="tx1"/>
+                </a:solidFill>
+                <a:latin typeface="Times" pitchFamily="2" charset="0"/>
+                <a:ea typeface="ＭＳ Ｐゴシック" panose="020B0600070205080204" pitchFamily="34" charset="-128"/>
+              </a:defRPr>
+            </a:lvl7pPr>
+            <a:lvl8pPr marL="3429000" indent="-228600" eaLnBrk="0" fontAlgn="base" hangingPunct="0">
+              <a:spcBef>
+                <a:spcPct val="0"/>
+              </a:spcBef>
+              <a:spcAft>
+                <a:spcPct val="0"/>
+              </a:spcAft>
+              <a:defRPr sz="2400">
+                <a:solidFill>
+                  <a:schemeClr val="tx1"/>
+                </a:solidFill>
+                <a:latin typeface="Times" pitchFamily="2" charset="0"/>
+                <a:ea typeface="ＭＳ Ｐゴシック" panose="020B0600070205080204" pitchFamily="34" charset="-128"/>
+              </a:defRPr>
+            </a:lvl8pPr>
+            <a:lvl9pPr marL="3886200" indent="-228600" eaLnBrk="0" fontAlgn="base" hangingPunct="0">
+              <a:spcBef>
+                <a:spcPct val="0"/>
+              </a:spcBef>
+              <a:spcAft>
+                <a:spcPct val="0"/>
+              </a:spcAft>
+              <a:defRPr sz="2400">
+                <a:solidFill>
+                  <a:schemeClr val="tx1"/>
+                </a:solidFill>
+                <a:latin typeface="Times" pitchFamily="2" charset="0"/>
+                <a:ea typeface="ＭＳ Ｐゴシック" panose="020B0600070205080204" pitchFamily="34" charset="-128"/>
+              </a:defRPr>
+            </a:lvl9pPr>
+          </a:lstStyle>
+          <a:p>
+            <a:r>
+              <a:rPr lang="en-US" altLang="en-US" sz="2800">
+                <a:solidFill>
+                  <a:srgbClr val="FF0000"/>
+                </a:solidFill>
+              </a:rPr>
+              <a:t>Optimize the model </a:t>
+            </a:r>
+            <a:r>
+              <a:rPr lang="en-US" altLang="en-US" sz="2800"/>
+              <a:t>problem ⇒ new </a:t>
+            </a:r>
+            <a:r>
+              <a:rPr lang="en-US" altLang="en-US" sz="2800" b="1"/>
+              <a:t>x</a:t>
+            </a:r>
+            <a:endParaRPr lang="en-US" altLang="en-US" sz="2800"/>
+          </a:p>
+          <a:p>
+            <a:r>
+              <a:rPr lang="en-US" altLang="en-US" sz="2800"/>
+              <a:t>	— use a </a:t>
+            </a:r>
+            <a:r>
+              <a:rPr lang="en-US" altLang="en-US" sz="2800" i="1">
+                <a:solidFill>
+                  <a:srgbClr val="0000FF"/>
+                </a:solidFill>
+              </a:rPr>
+              <a:t>trust region</a:t>
+            </a:r>
+            <a:r>
+              <a:rPr lang="en-US" altLang="en-US" sz="2800">
+                <a:solidFill>
+                  <a:srgbClr val="0000FF"/>
+                </a:solidFill>
+              </a:rPr>
+              <a:t> </a:t>
+            </a:r>
+            <a:r>
+              <a:rPr lang="en-US" altLang="en-US" sz="2800"/>
+              <a:t>to prevent large steps</a:t>
+            </a:r>
+          </a:p>
+        </p:txBody>
+      </p:sp>
+      <p:sp>
+        <p:nvSpPr>
+          <p:cNvPr id="33798" name="Oval 6">
+            <a:extLst>
+              <a:ext uri="{FF2B5EF4-FFF2-40B4-BE49-F238E27FC236}">
+                <a16:creationId xmlns:a16="http://schemas.microsoft.com/office/drawing/2014/main" id="{620CEB28-9366-DF47-B816-562C0A8E57D4}"/>
+              </a:ext>
+            </a:extLst>
+          </p:cNvPr>
+          <p:cNvSpPr>
+            <a:spLocks noChangeArrowheads="1"/>
+          </p:cNvSpPr>
+          <p:nvPr/>
+        </p:nvSpPr>
+        <p:spPr bwMode="auto">
+          <a:xfrm>
+            <a:off x="685800" y="4813300"/>
+            <a:ext cx="762000" cy="762000"/>
+          </a:xfrm>
+          <a:prstGeom prst="ellipse">
+            <a:avLst/>
+          </a:prstGeom>
+          <a:solidFill>
+            <a:srgbClr val="FFFF00"/>
+          </a:solidFill>
+          <a:ln w="9525">
+            <a:solidFill>
+              <a:schemeClr val="tx1"/>
+            </a:solidFill>
+            <a:round/>
+            <a:headEnd/>
+            <a:tailEnd/>
+          </a:ln>
+        </p:spPr>
+        <p:txBody>
+          <a:bodyPr/>
+          <a:lstStyle>
+            <a:lvl1pPr>
+              <a:defRPr sz="2400">
+                <a:solidFill>
+                  <a:schemeClr val="tx1"/>
+                </a:solidFill>
+                <a:latin typeface="Times" pitchFamily="2" charset="0"/>
+                <a:ea typeface="ＭＳ Ｐゴシック" panose="020B0600070205080204" pitchFamily="34" charset="-128"/>
+              </a:defRPr>
+            </a:lvl1pPr>
+            <a:lvl2pPr marL="742950" indent="-285750">
+              <a:defRPr sz="2400">
+                <a:solidFill>
+                  <a:schemeClr val="tx1"/>
+                </a:solidFill>
+                <a:latin typeface="Times" pitchFamily="2" charset="0"/>
+                <a:ea typeface="ＭＳ Ｐゴシック" panose="020B0600070205080204" pitchFamily="34" charset="-128"/>
+              </a:defRPr>
+            </a:lvl2pPr>
+            <a:lvl3pPr marL="1143000" indent="-228600">
+              <a:defRPr sz="2400">
+                <a:solidFill>
+                  <a:schemeClr val="tx1"/>
+                </a:solidFill>
+                <a:latin typeface="Times" pitchFamily="2" charset="0"/>
+                <a:ea typeface="ＭＳ Ｐゴシック" panose="020B0600070205080204" pitchFamily="34" charset="-128"/>
+              </a:defRPr>
+            </a:lvl3pPr>
+            <a:lvl4pPr marL="1600200" indent="-228600">
+              <a:defRPr sz="2400">
+                <a:solidFill>
+                  <a:schemeClr val="tx1"/>
+                </a:solidFill>
+                <a:latin typeface="Times" pitchFamily="2" charset="0"/>
+                <a:ea typeface="ＭＳ Ｐゴシック" panose="020B0600070205080204" pitchFamily="34" charset="-128"/>
+              </a:defRPr>
+            </a:lvl4pPr>
+            <a:lvl5pPr marL="2057400" indent="-228600">
+              <a:defRPr sz="2400">
+                <a:solidFill>
+                  <a:schemeClr val="tx1"/>
+                </a:solidFill>
+                <a:latin typeface="Times" pitchFamily="2" charset="0"/>
+                <a:ea typeface="ＭＳ Ｐゴシック" panose="020B0600070205080204" pitchFamily="34" charset="-128"/>
+              </a:defRPr>
+            </a:lvl5pPr>
+            <a:lvl6pPr marL="2514600" indent="-228600" eaLnBrk="0" fontAlgn="base" hangingPunct="0">
+              <a:spcBef>
+                <a:spcPct val="0"/>
+              </a:spcBef>
+              <a:spcAft>
+                <a:spcPct val="0"/>
+              </a:spcAft>
+              <a:defRPr sz="2400">
+                <a:solidFill>
+                  <a:schemeClr val="tx1"/>
+                </a:solidFill>
+                <a:latin typeface="Times" pitchFamily="2" charset="0"/>
+                <a:ea typeface="ＭＳ Ｐゴシック" panose="020B0600070205080204" pitchFamily="34" charset="-128"/>
+              </a:defRPr>
+            </a:lvl6pPr>
+            <a:lvl7pPr marL="2971800" indent="-228600" eaLnBrk="0" fontAlgn="base" hangingPunct="0">
+              <a:spcBef>
+                <a:spcPct val="0"/>
+              </a:spcBef>
+              <a:spcAft>
+                <a:spcPct val="0"/>
+              </a:spcAft>
+              <a:defRPr sz="2400">
+                <a:solidFill>
+                  <a:schemeClr val="tx1"/>
+                </a:solidFill>
+                <a:latin typeface="Times" pitchFamily="2" charset="0"/>
+                <a:ea typeface="ＭＳ Ｐゴシック" panose="020B0600070205080204" pitchFamily="34" charset="-128"/>
+              </a:defRPr>
+            </a:lvl7pPr>
+            <a:lvl8pPr marL="3429000" indent="-228600" eaLnBrk="0" fontAlgn="base" hangingPunct="0">
+              <a:spcBef>
+                <a:spcPct val="0"/>
+              </a:spcBef>
+              <a:spcAft>
+                <a:spcPct val="0"/>
+              </a:spcAft>
+              <a:defRPr sz="2400">
+                <a:solidFill>
+                  <a:schemeClr val="tx1"/>
+                </a:solidFill>
+                <a:latin typeface="Times" pitchFamily="2" charset="0"/>
+                <a:ea typeface="ＭＳ Ｐゴシック" panose="020B0600070205080204" pitchFamily="34" charset="-128"/>
+              </a:defRPr>
+            </a:lvl8pPr>
+            <a:lvl9pPr marL="3886200" indent="-228600" eaLnBrk="0" fontAlgn="base" hangingPunct="0">
+              <a:spcBef>
+                <a:spcPct val="0"/>
+              </a:spcBef>
+              <a:spcAft>
+                <a:spcPct val="0"/>
+              </a:spcAft>
+              <a:defRPr sz="2400">
+                <a:solidFill>
+                  <a:schemeClr val="tx1"/>
+                </a:solidFill>
+                <a:latin typeface="Times" pitchFamily="2" charset="0"/>
+                <a:ea typeface="ＭＳ Ｐゴシック" panose="020B0600070205080204" pitchFamily="34" charset="-128"/>
+              </a:defRPr>
+            </a:lvl9pPr>
+          </a:lstStyle>
+          <a:p>
+            <a:pPr algn="ctr"/>
+            <a:r>
+              <a:rPr lang="en-US" altLang="en-US" sz="2800" b="1"/>
+              <a:t>3</a:t>
+            </a:r>
+          </a:p>
+        </p:txBody>
+      </p:sp>
+      <p:sp>
+        <p:nvSpPr>
+          <p:cNvPr id="33799" name="TextBox 7">
+            <a:extLst>
+              <a:ext uri="{FF2B5EF4-FFF2-40B4-BE49-F238E27FC236}">
+                <a16:creationId xmlns:a16="http://schemas.microsoft.com/office/drawing/2014/main" id="{0B99FE8E-B1B4-EE46-9858-A31E9F2E31F3}"/>
+              </a:ext>
+            </a:extLst>
+          </p:cNvPr>
+          <p:cNvSpPr txBox="1">
+            <a:spLocks noChangeArrowheads="1"/>
+          </p:cNvSpPr>
+          <p:nvPr/>
+        </p:nvSpPr>
+        <p:spPr bwMode="auto">
+          <a:xfrm>
+            <a:off x="1752600" y="4889500"/>
+            <a:ext cx="6702425" cy="1816100"/>
+          </a:xfrm>
+          <a:prstGeom prst="rect">
+            <a:avLst/>
+          </a:prstGeom>
+          <a:noFill/>
+          <a:ln>
+            <a:noFill/>
+          </a:ln>
+          <a:extLst>
+            <a:ext uri="{909E8E84-426E-40DD-AFC4-6F175D3DCCD1}">
+              <a14:hiddenFill xmlns:a14="http://schemas.microsoft.com/office/drawing/2010/main">
+                <a:solidFill>
+                  <a:srgbClr val="FFFFFF"/>
+                </a:solidFill>
+              </a14:hiddenFill>
+            </a:ext>
+            <a:ext uri="{91240B29-F687-4F45-9708-019B960494DF}">
+              <a14:hiddenLine xmlns:a14="http://schemas.microsoft.com/office/drawing/2010/main" w="9525">
+                <a:solidFill>
+                  <a:srgbClr val="000000"/>
+                </a:solidFill>
+                <a:miter lim="800000"/>
+                <a:headEnd/>
+                <a:tailEnd/>
+              </a14:hiddenLine>
+            </a:ext>
+          </a:extLst>
+        </p:spPr>
+        <p:txBody>
+          <a:bodyPr wrap="none">
+            <a:spAutoFit/>
+          </a:bodyPr>
+          <a:lstStyle>
+            <a:lvl1pPr>
+              <a:defRPr sz="2400">
+                <a:solidFill>
+                  <a:schemeClr val="tx1"/>
+                </a:solidFill>
+                <a:latin typeface="Times" pitchFamily="2" charset="0"/>
+                <a:ea typeface="ＭＳ Ｐゴシック" panose="020B0600070205080204" pitchFamily="34" charset="-128"/>
+              </a:defRPr>
+            </a:lvl1pPr>
+            <a:lvl2pPr marL="742950" indent="-285750">
+              <a:defRPr sz="2400">
+                <a:solidFill>
+                  <a:schemeClr val="tx1"/>
+                </a:solidFill>
+                <a:latin typeface="Times" pitchFamily="2" charset="0"/>
+                <a:ea typeface="ＭＳ Ｐゴシック" panose="020B0600070205080204" pitchFamily="34" charset="-128"/>
+              </a:defRPr>
+            </a:lvl2pPr>
+            <a:lvl3pPr marL="1143000" indent="-228600">
+              <a:defRPr sz="2400">
+                <a:solidFill>
+                  <a:schemeClr val="tx1"/>
+                </a:solidFill>
+                <a:latin typeface="Times" pitchFamily="2" charset="0"/>
+                <a:ea typeface="ＭＳ Ｐゴシック" panose="020B0600070205080204" pitchFamily="34" charset="-128"/>
+              </a:defRPr>
+            </a:lvl3pPr>
+            <a:lvl4pPr marL="1600200" indent="-228600">
+              <a:defRPr sz="2400">
+                <a:solidFill>
+                  <a:schemeClr val="tx1"/>
+                </a:solidFill>
+                <a:latin typeface="Times" pitchFamily="2" charset="0"/>
+                <a:ea typeface="ＭＳ Ｐゴシック" panose="020B0600070205080204" pitchFamily="34" charset="-128"/>
+              </a:defRPr>
+            </a:lvl4pPr>
+            <a:lvl5pPr marL="2057400" indent="-228600">
+              <a:defRPr sz="2400">
+                <a:solidFill>
+                  <a:schemeClr val="tx1"/>
+                </a:solidFill>
+                <a:latin typeface="Times" pitchFamily="2" charset="0"/>
+                <a:ea typeface="ＭＳ Ｐゴシック" panose="020B0600070205080204" pitchFamily="34" charset="-128"/>
+              </a:defRPr>
+            </a:lvl5pPr>
+            <a:lvl6pPr marL="2514600" indent="-228600" eaLnBrk="0" fontAlgn="base" hangingPunct="0">
+              <a:spcBef>
+                <a:spcPct val="0"/>
+              </a:spcBef>
+              <a:spcAft>
+                <a:spcPct val="0"/>
+              </a:spcAft>
+              <a:defRPr sz="2400">
+                <a:solidFill>
+                  <a:schemeClr val="tx1"/>
+                </a:solidFill>
+                <a:latin typeface="Times" pitchFamily="2" charset="0"/>
+                <a:ea typeface="ＭＳ Ｐゴシック" panose="020B0600070205080204" pitchFamily="34" charset="-128"/>
+              </a:defRPr>
+            </a:lvl6pPr>
+            <a:lvl7pPr marL="2971800" indent="-228600" eaLnBrk="0" fontAlgn="base" hangingPunct="0">
+              <a:spcBef>
+                <a:spcPct val="0"/>
+              </a:spcBef>
+              <a:spcAft>
+                <a:spcPct val="0"/>
+              </a:spcAft>
+              <a:defRPr sz="2400">
+                <a:solidFill>
+                  <a:schemeClr val="tx1"/>
+                </a:solidFill>
+                <a:latin typeface="Times" pitchFamily="2" charset="0"/>
+                <a:ea typeface="ＭＳ Ｐゴシック" panose="020B0600070205080204" pitchFamily="34" charset="-128"/>
+              </a:defRPr>
+            </a:lvl7pPr>
+            <a:lvl8pPr marL="3429000" indent="-228600" eaLnBrk="0" fontAlgn="base" hangingPunct="0">
+              <a:spcBef>
+                <a:spcPct val="0"/>
+              </a:spcBef>
+              <a:spcAft>
+                <a:spcPct val="0"/>
+              </a:spcAft>
+              <a:defRPr sz="2400">
+                <a:solidFill>
+                  <a:schemeClr val="tx1"/>
+                </a:solidFill>
+                <a:latin typeface="Times" pitchFamily="2" charset="0"/>
+                <a:ea typeface="ＭＳ Ｐゴシック" panose="020B0600070205080204" pitchFamily="34" charset="-128"/>
+              </a:defRPr>
+            </a:lvl8pPr>
+            <a:lvl9pPr marL="3886200" indent="-228600" eaLnBrk="0" fontAlgn="base" hangingPunct="0">
+              <a:spcBef>
+                <a:spcPct val="0"/>
+              </a:spcBef>
+              <a:spcAft>
+                <a:spcPct val="0"/>
+              </a:spcAft>
+              <a:defRPr sz="2400">
+                <a:solidFill>
+                  <a:schemeClr val="tx1"/>
+                </a:solidFill>
+                <a:latin typeface="Times" pitchFamily="2" charset="0"/>
+                <a:ea typeface="ＭＳ Ｐゴシック" panose="020B0600070205080204" pitchFamily="34" charset="-128"/>
+              </a:defRPr>
+            </a:lvl9pPr>
+          </a:lstStyle>
+          <a:p>
+            <a:r>
+              <a:rPr lang="en-US" altLang="en-US" sz="2800"/>
+              <a:t>Evaluate new </a:t>
+            </a:r>
+            <a:r>
+              <a:rPr lang="en-US" altLang="en-US" sz="2800" b="1"/>
+              <a:t>x</a:t>
+            </a:r>
+            <a:r>
+              <a:rPr lang="en-US" altLang="en-US" sz="2800"/>
+              <a:t>:</a:t>
+            </a:r>
+          </a:p>
+          <a:p>
+            <a:r>
+              <a:rPr lang="en-US" altLang="en-US" sz="2800"/>
+              <a:t>	— if “acceptable,” go to </a:t>
+            </a:r>
+            <a:r>
+              <a:rPr lang="en-US" altLang="en-US" sz="2800" b="1"/>
+              <a:t>1</a:t>
+            </a:r>
+          </a:p>
+          <a:p>
+            <a:r>
+              <a:rPr lang="en-US" altLang="en-US" sz="2800" b="1"/>
+              <a:t>	</a:t>
+            </a:r>
+            <a:r>
+              <a:rPr lang="en-US" altLang="en-US" sz="2800"/>
+              <a:t>— if bad step (or bad model), update</a:t>
+            </a:r>
+          </a:p>
+          <a:p>
+            <a:r>
+              <a:rPr lang="en-US" altLang="en-US" sz="2800" b="1"/>
+              <a:t>		</a:t>
+            </a:r>
+            <a:r>
+              <a:rPr lang="en-US" altLang="en-US" sz="2800"/>
+              <a:t>trust region / model and go to </a:t>
+            </a:r>
+            <a:r>
+              <a:rPr lang="en-US" altLang="en-US" sz="2800" b="1"/>
+              <a:t>2</a:t>
+            </a:r>
+          </a:p>
+        </p:txBody>
+      </p:sp>
+      <p:sp>
+        <p:nvSpPr>
+          <p:cNvPr id="33800" name="TextBox 8">
+            <a:extLst>
+              <a:ext uri="{FF2B5EF4-FFF2-40B4-BE49-F238E27FC236}">
+                <a16:creationId xmlns:a16="http://schemas.microsoft.com/office/drawing/2014/main" id="{51A4C80E-8329-6848-B722-DC14666B763C}"/>
+              </a:ext>
+            </a:extLst>
+          </p:cNvPr>
+          <p:cNvSpPr txBox="1">
+            <a:spLocks noChangeArrowheads="1"/>
+          </p:cNvSpPr>
+          <p:nvPr/>
+        </p:nvSpPr>
+        <p:spPr bwMode="auto">
+          <a:xfrm>
+            <a:off x="2209800" y="1600200"/>
+            <a:ext cx="4916488" cy="461963"/>
+          </a:xfrm>
+          <a:prstGeom prst="rect">
+            <a:avLst/>
+          </a:prstGeom>
+          <a:noFill/>
+          <a:ln>
+            <a:noFill/>
+          </a:ln>
+          <a:extLst>
+            <a:ext uri="{909E8E84-426E-40DD-AFC4-6F175D3DCCD1}">
+              <a14:hiddenFill xmlns:a14="http://schemas.microsoft.com/office/drawing/2010/main">
+                <a:solidFill>
+                  <a:srgbClr val="FFFFFF"/>
+                </a:solidFill>
+              </a14:hiddenFill>
+            </a:ext>
+            <a:ext uri="{91240B29-F687-4F45-9708-019B960494DF}">
+              <a14:hiddenLine xmlns:a14="http://schemas.microsoft.com/office/drawing/2010/main" w="9525">
+                <a:solidFill>
+                  <a:srgbClr val="000000"/>
+                </a:solidFill>
+                <a:miter lim="800000"/>
+                <a:headEnd/>
+                <a:tailEnd/>
+              </a14:hiddenLine>
+            </a:ext>
+          </a:extLst>
+        </p:spPr>
+        <p:txBody>
+          <a:bodyPr wrap="none">
+            <a:spAutoFit/>
+          </a:bodyPr>
+          <a:lstStyle>
+            <a:lvl1pPr>
+              <a:defRPr sz="2400">
+                <a:solidFill>
+                  <a:schemeClr val="tx1"/>
+                </a:solidFill>
+                <a:latin typeface="Times" pitchFamily="2" charset="0"/>
+                <a:ea typeface="ＭＳ Ｐゴシック" panose="020B0600070205080204" pitchFamily="34" charset="-128"/>
+              </a:defRPr>
+            </a:lvl1pPr>
+            <a:lvl2pPr marL="742950" indent="-285750">
+              <a:defRPr sz="2400">
+                <a:solidFill>
+                  <a:schemeClr val="tx1"/>
+                </a:solidFill>
+                <a:latin typeface="Times" pitchFamily="2" charset="0"/>
+                <a:ea typeface="ＭＳ Ｐゴシック" panose="020B0600070205080204" pitchFamily="34" charset="-128"/>
+              </a:defRPr>
+            </a:lvl2pPr>
+            <a:lvl3pPr marL="1143000" indent="-228600">
+              <a:defRPr sz="2400">
+                <a:solidFill>
+                  <a:schemeClr val="tx1"/>
+                </a:solidFill>
+                <a:latin typeface="Times" pitchFamily="2" charset="0"/>
+                <a:ea typeface="ＭＳ Ｐゴシック" panose="020B0600070205080204" pitchFamily="34" charset="-128"/>
+              </a:defRPr>
+            </a:lvl3pPr>
+            <a:lvl4pPr marL="1600200" indent="-228600">
+              <a:defRPr sz="2400">
+                <a:solidFill>
+                  <a:schemeClr val="tx1"/>
+                </a:solidFill>
+                <a:latin typeface="Times" pitchFamily="2" charset="0"/>
+                <a:ea typeface="ＭＳ Ｐゴシック" panose="020B0600070205080204" pitchFamily="34" charset="-128"/>
+              </a:defRPr>
+            </a:lvl4pPr>
+            <a:lvl5pPr marL="2057400" indent="-228600">
+              <a:defRPr sz="2400">
+                <a:solidFill>
+                  <a:schemeClr val="tx1"/>
+                </a:solidFill>
+                <a:latin typeface="Times" pitchFamily="2" charset="0"/>
+                <a:ea typeface="ＭＳ Ｐゴシック" panose="020B0600070205080204" pitchFamily="34" charset="-128"/>
+              </a:defRPr>
+            </a:lvl5pPr>
+            <a:lvl6pPr marL="2514600" indent="-228600" eaLnBrk="0" fontAlgn="base" hangingPunct="0">
+              <a:spcBef>
+                <a:spcPct val="0"/>
+              </a:spcBef>
+              <a:spcAft>
+                <a:spcPct val="0"/>
+              </a:spcAft>
+              <a:defRPr sz="2400">
+                <a:solidFill>
+                  <a:schemeClr val="tx1"/>
+                </a:solidFill>
+                <a:latin typeface="Times" pitchFamily="2" charset="0"/>
+                <a:ea typeface="ＭＳ Ｐゴシック" panose="020B0600070205080204" pitchFamily="34" charset="-128"/>
+              </a:defRPr>
+            </a:lvl6pPr>
+            <a:lvl7pPr marL="2971800" indent="-228600" eaLnBrk="0" fontAlgn="base" hangingPunct="0">
+              <a:spcBef>
+                <a:spcPct val="0"/>
+              </a:spcBef>
+              <a:spcAft>
+                <a:spcPct val="0"/>
+              </a:spcAft>
+              <a:defRPr sz="2400">
+                <a:solidFill>
+                  <a:schemeClr val="tx1"/>
+                </a:solidFill>
+                <a:latin typeface="Times" pitchFamily="2" charset="0"/>
+                <a:ea typeface="ＭＳ Ｐゴシック" panose="020B0600070205080204" pitchFamily="34" charset="-128"/>
+              </a:defRPr>
+            </a:lvl7pPr>
+            <a:lvl8pPr marL="3429000" indent="-228600" eaLnBrk="0" fontAlgn="base" hangingPunct="0">
+              <a:spcBef>
+                <a:spcPct val="0"/>
+              </a:spcBef>
+              <a:spcAft>
+                <a:spcPct val="0"/>
+              </a:spcAft>
+              <a:defRPr sz="2400">
+                <a:solidFill>
+                  <a:schemeClr val="tx1"/>
+                </a:solidFill>
+                <a:latin typeface="Times" pitchFamily="2" charset="0"/>
+                <a:ea typeface="ＭＳ Ｐゴシック" panose="020B0600070205080204" pitchFamily="34" charset="-128"/>
+              </a:defRPr>
+            </a:lvl8pPr>
+            <a:lvl9pPr marL="3886200" indent="-228600" eaLnBrk="0" fontAlgn="base" hangingPunct="0">
+              <a:spcBef>
+                <a:spcPct val="0"/>
+              </a:spcBef>
+              <a:spcAft>
+                <a:spcPct val="0"/>
+              </a:spcAft>
+              <a:defRPr sz="2400">
+                <a:solidFill>
+                  <a:schemeClr val="tx1"/>
+                </a:solidFill>
+                <a:latin typeface="Times" pitchFamily="2" charset="0"/>
+                <a:ea typeface="ＭＳ Ｐゴシック" panose="020B0600070205080204" pitchFamily="34" charset="-128"/>
+              </a:defRPr>
+            </a:lvl9pPr>
+          </a:lstStyle>
+          <a:p>
+            <a:r>
+              <a:rPr lang="en-US" altLang="en-US"/>
+              <a:t>[ many, many variations in details !!! ]</a:t>
+            </a:r>
+          </a:p>
+        </p:txBody>
+      </p:sp>
+    </p:spTree>
+    <p:extLst>
+      <p:ext uri="{BB962C8B-B14F-4D97-AF65-F5344CB8AC3E}">
+        <p14:creationId xmlns:p14="http://schemas.microsoft.com/office/powerpoint/2010/main" val="659710735"/>
+      </p:ext>
+    </p:extLst>
+  </p:cSld>
+  <p:clrMapOvr>
+    <a:masterClrMapping/>
+  </p:clrMapOvr>
+</p:sld>
+</file>
+
+<file path=ppt/slides/slide9.xml><?xml version="1.0" encoding="utf-8"?>
+<p:sld xmlns:a="http://schemas.openxmlformats.org/drawingml/2006/main" xmlns:r="http://schemas.openxmlformats.org/officeDocument/2006/relationships" xmlns:p="http://schemas.openxmlformats.org/presentationml/2006/main">
+  <p:cSld>
+    <p:spTree>
+      <p:nvGrpSpPr>
+        <p:cNvPr id="1" name=""/>
+        <p:cNvGrpSpPr/>
+        <p:nvPr/>
+      </p:nvGrpSpPr>
+      <p:grpSpPr>
+        <a:xfrm>
+          <a:off x="0" y="0"/>
+          <a:ext cx="0" cy="0"/>
+          <a:chOff x="0" y="0"/>
+          <a:chExt cx="0" cy="0"/>
+        </a:xfrm>
+      </p:grpSpPr>
+      <p:sp>
+        <p:nvSpPr>
           <p:cNvPr id="20482" name="Rectangle 2">
             <a:extLst>
               <a:ext uri="{FF2B5EF4-FFF2-40B4-BE49-F238E27FC236}">
@@ -26034,391 +27733,6 @@
               </a:rPr>
               <a:t>A</a:t>
             </a:r>
-          </a:p>
-        </p:txBody>
-      </p:sp>
-    </p:spTree>
-  </p:cSld>
-  <p:clrMapOvr>
-    <a:masterClrMapping/>
-  </p:clrMapOvr>
-</p:sld>
-</file>
-
-<file path=ppt/slides/slide9.xml><?xml version="1.0" encoding="utf-8"?>
-<p:sld xmlns:a="http://schemas.openxmlformats.org/drawingml/2006/main" xmlns:r="http://schemas.openxmlformats.org/officeDocument/2006/relationships" xmlns:p="http://schemas.openxmlformats.org/presentationml/2006/main">
-  <p:cSld>
-    <p:spTree>
-      <p:nvGrpSpPr>
-        <p:cNvPr id="1" name=""/>
-        <p:cNvGrpSpPr/>
-        <p:nvPr/>
-      </p:nvGrpSpPr>
-      <p:grpSpPr>
-        <a:xfrm>
-          <a:off x="0" y="0"/>
-          <a:ext cx="0" cy="0"/>
-          <a:chOff x="0" y="0"/>
-          <a:chExt cx="0" cy="0"/>
-        </a:xfrm>
-      </p:grpSpPr>
-      <p:sp>
-        <p:nvSpPr>
-          <p:cNvPr id="21506" name="Rectangle 2">
-            <a:extLst>
-              <a:ext uri="{FF2B5EF4-FFF2-40B4-BE49-F238E27FC236}">
-                <a16:creationId xmlns:a16="http://schemas.microsoft.com/office/drawing/2014/main" id="{3C3E5631-988C-C645-A139-EF0B71FBA641}"/>
-              </a:ext>
-            </a:extLst>
-          </p:cNvPr>
-          <p:cNvSpPr>
-            <a:spLocks noGrp="1" noChangeArrowheads="1"/>
-          </p:cNvSpPr>
-          <p:nvPr>
-            <p:ph type="title"/>
-          </p:nvPr>
-        </p:nvSpPr>
-        <p:spPr>
-          <a:xfrm>
-            <a:off x="685800" y="76200"/>
-            <a:ext cx="7772400" cy="1143000"/>
-          </a:xfrm>
-        </p:spPr>
-        <p:txBody>
-          <a:bodyPr/>
-          <a:lstStyle/>
-          <a:p>
-            <a:pPr eaLnBrk="1" hangingPunct="1"/>
-            <a:r>
-              <a:rPr lang="en-US" altLang="en-US"/>
-              <a:t>Derivatives of </a:t>
-            </a:r>
-            <a:r>
-              <a:rPr lang="en-US" altLang="en-US" i="1"/>
-              <a:t>f</a:t>
-            </a:r>
-            <a:r>
-              <a:rPr lang="en-US" altLang="en-US" i="1" baseline="-25000"/>
-              <a:t>i</a:t>
-            </a:r>
-            <a:endParaRPr lang="en-US" altLang="en-US"/>
-          </a:p>
-        </p:txBody>
-      </p:sp>
-      <p:sp>
-        <p:nvSpPr>
-          <p:cNvPr id="21507" name="Rectangle 3">
-            <a:extLst>
-              <a:ext uri="{FF2B5EF4-FFF2-40B4-BE49-F238E27FC236}">
-                <a16:creationId xmlns:a16="http://schemas.microsoft.com/office/drawing/2014/main" id="{B6F88915-BEC4-FF4E-A4FC-7A2597ECFA36}"/>
-              </a:ext>
-            </a:extLst>
-          </p:cNvPr>
-          <p:cNvSpPr>
-            <a:spLocks noGrp="1" noChangeArrowheads="1"/>
-          </p:cNvSpPr>
-          <p:nvPr>
-            <p:ph type="body" idx="1"/>
-          </p:nvPr>
-        </p:nvSpPr>
-        <p:spPr>
-          <a:xfrm>
-            <a:off x="685800" y="1143000"/>
-            <a:ext cx="7772400" cy="4114800"/>
-          </a:xfrm>
-        </p:spPr>
-        <p:txBody>
-          <a:bodyPr/>
-          <a:lstStyle/>
-          <a:p>
-            <a:pPr eaLnBrk="1" hangingPunct="1">
-              <a:lnSpc>
-                <a:spcPct val="90000"/>
-              </a:lnSpc>
-            </a:pPr>
-            <a:r>
-              <a:rPr lang="en-US" altLang="en-US" sz="2800"/>
-              <a:t>Most-efficient algorithms typically </a:t>
-            </a:r>
-            <a:r>
-              <a:rPr lang="en-US" altLang="en-US" sz="2800">
-                <a:solidFill>
-                  <a:schemeClr val="accent2"/>
-                </a:solidFill>
-              </a:rPr>
-              <a:t>require user to supply the gradients </a:t>
-            </a:r>
-            <a:r>
-              <a:rPr lang="en-US" altLang="en-US" sz="2800">
-                <a:solidFill>
-                  <a:schemeClr val="accent2"/>
-                </a:solidFill>
-                <a:sym typeface="Symbol" pitchFamily="2" charset="2"/>
-              </a:rPr>
-              <a:t></a:t>
-            </a:r>
-            <a:r>
-              <a:rPr lang="en-US" altLang="en-US" sz="2800" i="1" baseline="-25000">
-                <a:solidFill>
-                  <a:schemeClr val="accent2"/>
-                </a:solidFill>
-                <a:sym typeface="Symbol" pitchFamily="2" charset="2"/>
-              </a:rPr>
-              <a:t>x</a:t>
-            </a:r>
-            <a:r>
-              <a:rPr lang="en-US" altLang="en-US" sz="2800" i="1">
-                <a:solidFill>
-                  <a:schemeClr val="accent2"/>
-                </a:solidFill>
-                <a:sym typeface="Symbol" pitchFamily="2" charset="2"/>
-              </a:rPr>
-              <a:t>f</a:t>
-            </a:r>
-            <a:r>
-              <a:rPr lang="en-US" altLang="en-US" sz="2800" i="1" baseline="-25000">
-                <a:solidFill>
-                  <a:schemeClr val="accent2"/>
-                </a:solidFill>
-                <a:sym typeface="Symbol" pitchFamily="2" charset="2"/>
-              </a:rPr>
-              <a:t>i</a:t>
-            </a:r>
-            <a:r>
-              <a:rPr lang="en-US" altLang="en-US" sz="2800" i="1" baseline="-25000">
-                <a:sym typeface="Symbol" pitchFamily="2" charset="2"/>
-              </a:rPr>
-              <a:t> </a:t>
-            </a:r>
-            <a:r>
-              <a:rPr lang="en-US" altLang="en-US" sz="2800"/>
-              <a:t> of objective/constraints </a:t>
-            </a:r>
-          </a:p>
-          <a:p>
-            <a:pPr lvl="1" eaLnBrk="1" hangingPunct="1">
-              <a:lnSpc>
-                <a:spcPct val="90000"/>
-              </a:lnSpc>
-            </a:pPr>
-            <a:r>
-              <a:rPr lang="en-US" altLang="en-US" sz="2400">
-                <a:ea typeface="ＭＳ Ｐゴシック" panose="020B0600070205080204" pitchFamily="34" charset="-128"/>
-              </a:rPr>
-              <a:t>you should </a:t>
-            </a:r>
-            <a:r>
-              <a:rPr lang="en-US" altLang="en-US" sz="2400" i="1">
-                <a:ea typeface="ＭＳ Ｐゴシック" panose="020B0600070205080204" pitchFamily="34" charset="-128"/>
-              </a:rPr>
-              <a:t>always</a:t>
-            </a:r>
-            <a:r>
-              <a:rPr lang="en-US" altLang="en-US" sz="2400">
-                <a:ea typeface="ＭＳ Ｐゴシック" panose="020B0600070205080204" pitchFamily="34" charset="-128"/>
-              </a:rPr>
-              <a:t> compute these analytically</a:t>
-            </a:r>
-          </a:p>
-          <a:p>
-            <a:pPr lvl="2" eaLnBrk="1" hangingPunct="1">
-              <a:lnSpc>
-                <a:spcPct val="90000"/>
-              </a:lnSpc>
-            </a:pPr>
-            <a:r>
-              <a:rPr lang="en-US" altLang="en-US" sz="2000">
-                <a:ea typeface="ＭＳ Ｐゴシック" panose="020B0600070205080204" pitchFamily="34" charset="-128"/>
-              </a:rPr>
-              <a:t>rather than use finite-difference approximations, better to just use a derivative-free optimization algorithm</a:t>
-            </a:r>
-          </a:p>
-          <a:p>
-            <a:pPr lvl="2" eaLnBrk="1" hangingPunct="1">
-              <a:lnSpc>
-                <a:spcPct val="90000"/>
-              </a:lnSpc>
-            </a:pPr>
-            <a:r>
-              <a:rPr lang="en-US" altLang="en-US" sz="2000">
-                <a:ea typeface="ＭＳ Ｐゴシック" panose="020B0600070205080204" pitchFamily="34" charset="-128"/>
-              </a:rPr>
-              <a:t>in principle, one can always compute </a:t>
-            </a:r>
-            <a:r>
-              <a:rPr lang="en-US" altLang="en-US" sz="2000">
-                <a:ea typeface="ＭＳ Ｐゴシック" panose="020B0600070205080204" pitchFamily="34" charset="-128"/>
-                <a:sym typeface="Symbol" pitchFamily="2" charset="2"/>
-              </a:rPr>
-              <a:t></a:t>
-            </a:r>
-            <a:r>
-              <a:rPr lang="en-US" altLang="en-US" sz="2000" i="1" baseline="-25000">
-                <a:ea typeface="ＭＳ Ｐゴシック" panose="020B0600070205080204" pitchFamily="34" charset="-128"/>
-                <a:sym typeface="Symbol" pitchFamily="2" charset="2"/>
-              </a:rPr>
-              <a:t>x</a:t>
-            </a:r>
-            <a:r>
-              <a:rPr lang="en-US" altLang="en-US" sz="2000" i="1">
-                <a:ea typeface="ＭＳ Ｐゴシック" panose="020B0600070205080204" pitchFamily="34" charset="-128"/>
-                <a:sym typeface="Symbol" pitchFamily="2" charset="2"/>
-              </a:rPr>
-              <a:t>f</a:t>
-            </a:r>
-            <a:r>
-              <a:rPr lang="en-US" altLang="en-US" sz="2000" i="1" baseline="-25000">
-                <a:ea typeface="ＭＳ Ｐゴシック" panose="020B0600070205080204" pitchFamily="34" charset="-128"/>
-                <a:sym typeface="Symbol" pitchFamily="2" charset="2"/>
-              </a:rPr>
-              <a:t>i</a:t>
-            </a:r>
-            <a:r>
-              <a:rPr lang="en-US" altLang="en-US" sz="2000">
-                <a:ea typeface="ＭＳ Ｐゴシック" panose="020B0600070205080204" pitchFamily="34" charset="-128"/>
-              </a:rPr>
-              <a:t> with about the same cost as </a:t>
-            </a:r>
-            <a:r>
-              <a:rPr lang="en-US" altLang="en-US" sz="2000" i="1">
-                <a:ea typeface="ＭＳ Ｐゴシック" panose="020B0600070205080204" pitchFamily="34" charset="-128"/>
-              </a:rPr>
-              <a:t>f</a:t>
-            </a:r>
-            <a:r>
-              <a:rPr lang="en-US" altLang="en-US" sz="2000" i="1" baseline="-25000">
-                <a:ea typeface="ＭＳ Ｐゴシック" panose="020B0600070205080204" pitchFamily="34" charset="-128"/>
-              </a:rPr>
-              <a:t>i</a:t>
-            </a:r>
-            <a:r>
-              <a:rPr lang="en-US" altLang="en-US" sz="2000">
-                <a:ea typeface="ＭＳ Ｐゴシック" panose="020B0600070205080204" pitchFamily="34" charset="-128"/>
-              </a:rPr>
-              <a:t>, using </a:t>
-            </a:r>
-            <a:r>
-              <a:rPr lang="en-US" altLang="en-US" sz="2000">
-                <a:solidFill>
-                  <a:srgbClr val="FF0000"/>
-                </a:solidFill>
-                <a:ea typeface="ＭＳ Ｐゴシック" panose="020B0600070205080204" pitchFamily="34" charset="-128"/>
-              </a:rPr>
-              <a:t>adjoint methods</a:t>
-            </a:r>
-            <a:endParaRPr lang="en-US" altLang="en-US" sz="2000">
-              <a:ea typeface="ＭＳ Ｐゴシック" panose="020B0600070205080204" pitchFamily="34" charset="-128"/>
-            </a:endParaRPr>
-          </a:p>
-          <a:p>
-            <a:pPr lvl="1" eaLnBrk="1" hangingPunct="1">
-              <a:lnSpc>
-                <a:spcPct val="90000"/>
-              </a:lnSpc>
-            </a:pPr>
-            <a:r>
-              <a:rPr lang="en-US" altLang="en-US" sz="2400">
-                <a:ea typeface="ＭＳ Ｐゴシック" panose="020B0600070205080204" pitchFamily="34" charset="-128"/>
-              </a:rPr>
-              <a:t>gradient-based methods can find (local) optima of problems with millions of design parameters</a:t>
-            </a:r>
-          </a:p>
-          <a:p>
-            <a:pPr eaLnBrk="1" hangingPunct="1">
-              <a:lnSpc>
-                <a:spcPct val="90000"/>
-              </a:lnSpc>
-            </a:pPr>
-            <a:r>
-              <a:rPr lang="en-US" altLang="en-US" sz="2800">
-                <a:solidFill>
-                  <a:schemeClr val="accent2"/>
-                </a:solidFill>
-              </a:rPr>
-              <a:t>Derivative-free</a:t>
-            </a:r>
-            <a:r>
-              <a:rPr lang="en-US" altLang="en-US" sz="2800"/>
-              <a:t> methods: only require </a:t>
-            </a:r>
-            <a:r>
-              <a:rPr lang="en-US" altLang="en-US" sz="2800" i="1"/>
-              <a:t>f</a:t>
-            </a:r>
-            <a:r>
-              <a:rPr lang="en-US" altLang="en-US" sz="2800" i="1" baseline="-25000"/>
-              <a:t>i</a:t>
-            </a:r>
-            <a:r>
-              <a:rPr lang="en-US" altLang="en-US" sz="2800"/>
-              <a:t> values</a:t>
-            </a:r>
-          </a:p>
-          <a:p>
-            <a:pPr lvl="1" eaLnBrk="1" hangingPunct="1">
-              <a:lnSpc>
-                <a:spcPct val="90000"/>
-              </a:lnSpc>
-            </a:pPr>
-            <a:r>
-              <a:rPr lang="en-US" altLang="en-US" sz="2400">
-                <a:ea typeface="ＭＳ Ｐゴシック" panose="020B0600070205080204" pitchFamily="34" charset="-128"/>
-              </a:rPr>
-              <a:t>easier to use, can work with complicated “black-box” functions where computing gradients is inconvenient</a:t>
-            </a:r>
-          </a:p>
-          <a:p>
-            <a:pPr lvl="1" eaLnBrk="1" hangingPunct="1">
-              <a:lnSpc>
-                <a:spcPct val="90000"/>
-              </a:lnSpc>
-            </a:pPr>
-            <a:r>
-              <a:rPr lang="en-US" altLang="en-US" sz="2400" i="1">
-                <a:ea typeface="ＭＳ Ｐゴシック" panose="020B0600070205080204" pitchFamily="34" charset="-128"/>
-              </a:rPr>
-              <a:t>may</a:t>
-            </a:r>
-            <a:r>
-              <a:rPr lang="en-US" altLang="en-US" sz="2400">
-                <a:ea typeface="ＭＳ Ｐゴシック" panose="020B0600070205080204" pitchFamily="34" charset="-128"/>
-              </a:rPr>
-              <a:t> be only possibility for nondifferentiable problems</a:t>
-            </a:r>
-          </a:p>
-          <a:p>
-            <a:pPr lvl="1" eaLnBrk="1" hangingPunct="1">
-              <a:lnSpc>
-                <a:spcPct val="90000"/>
-              </a:lnSpc>
-            </a:pPr>
-            <a:r>
-              <a:rPr lang="en-US" altLang="en-US" sz="2400">
-                <a:ea typeface="ＭＳ Ｐゴシック" panose="020B0600070205080204" pitchFamily="34" charset="-128"/>
-              </a:rPr>
-              <a:t>need &gt; </a:t>
-            </a:r>
-            <a:r>
-              <a:rPr lang="en-US" altLang="en-US" sz="2400" i="1">
-                <a:ea typeface="ＭＳ Ｐゴシック" panose="020B0600070205080204" pitchFamily="34" charset="-128"/>
-              </a:rPr>
-              <a:t>n</a:t>
-            </a:r>
-            <a:r>
-              <a:rPr lang="en-US" altLang="en-US" sz="2400">
-                <a:ea typeface="ＭＳ Ｐゴシック" panose="020B0600070205080204" pitchFamily="34" charset="-128"/>
-              </a:rPr>
-              <a:t> function evaluations, bad for large </a:t>
-            </a:r>
-            <a:r>
-              <a:rPr lang="en-US" altLang="en-US" sz="2400" i="1">
-                <a:ea typeface="ＭＳ Ｐゴシック" panose="020B0600070205080204" pitchFamily="34" charset="-128"/>
-              </a:rPr>
-              <a:t>n</a:t>
-            </a:r>
-            <a:endParaRPr lang="en-US" altLang="en-US" sz="2400">
-              <a:ea typeface="ＭＳ Ｐゴシック" panose="020B0600070205080204" pitchFamily="34" charset="-128"/>
-            </a:endParaRPr>
           </a:p>
         </p:txBody>
       </p:sp>

--- a/notes/optimization.pptx
+++ b/notes/optimization.pptx
@@ -3768,7 +3768,7 @@
             <a:pPr eaLnBrk="1" hangingPunct="1"/>
             <a:r>
               <a:rPr lang="en-US" altLang="en-US" dirty="0"/>
-              <a:t>MIT course 18.335, Spring 2019</a:t>
+              <a:t>MIT course 18.335, Spring 2021</a:t>
             </a:r>
           </a:p>
         </p:txBody>
@@ -3873,62 +3873,73 @@
               </a:lnSpc>
             </a:pPr>
             <a:r>
-              <a:rPr lang="en-US" altLang="en-US" sz="2800"/>
+              <a:rPr lang="en-US" altLang="en-US" sz="2800" dirty="0"/>
               <a:t>Most-efficient algorithms typically </a:t>
             </a:r>
             <a:r>
-              <a:rPr lang="en-US" altLang="en-US" sz="2800">
-                <a:solidFill>
-                  <a:schemeClr val="accent2"/>
+              <a:rPr lang="en-US" altLang="en-US" sz="2800" dirty="0">
+                <a:solidFill>
+                  <a:srgbClr val="0432FF"/>
                 </a:solidFill>
               </a:rPr>
               <a:t>require user to supply the gradients </a:t>
             </a:r>
             <a:r>
-              <a:rPr lang="en-US" altLang="en-US" sz="2800">
-                <a:solidFill>
-                  <a:schemeClr val="accent2"/>
+              <a:rPr lang="en-US" altLang="en-US" sz="2800" dirty="0">
+                <a:solidFill>
+                  <a:srgbClr val="0432FF"/>
                 </a:solidFill>
                 <a:sym typeface="Symbol" pitchFamily="2" charset="2"/>
               </a:rPr>
               <a:t></a:t>
             </a:r>
             <a:r>
-              <a:rPr lang="en-US" altLang="en-US" sz="2800" i="1" baseline="-25000">
-                <a:solidFill>
-                  <a:schemeClr val="accent2"/>
+              <a:rPr lang="en-US" altLang="en-US" sz="2800" i="1" baseline="-25000" dirty="0" err="1">
+                <a:solidFill>
+                  <a:srgbClr val="0432FF"/>
                 </a:solidFill>
                 <a:sym typeface="Symbol" pitchFamily="2" charset="2"/>
               </a:rPr>
               <a:t>x</a:t>
             </a:r>
             <a:r>
-              <a:rPr lang="en-US" altLang="en-US" sz="2800" i="1">
-                <a:solidFill>
-                  <a:schemeClr val="accent2"/>
+              <a:rPr lang="en-US" altLang="en-US" sz="2800" i="1" dirty="0" err="1">
+                <a:solidFill>
+                  <a:srgbClr val="0432FF"/>
                 </a:solidFill>
                 <a:sym typeface="Symbol" pitchFamily="2" charset="2"/>
               </a:rPr>
               <a:t>f</a:t>
             </a:r>
             <a:r>
-              <a:rPr lang="en-US" altLang="en-US" sz="2800" i="1" baseline="-25000">
-                <a:solidFill>
-                  <a:schemeClr val="accent2"/>
+              <a:rPr lang="en-US" altLang="en-US" sz="2800" i="1" baseline="-25000" dirty="0" err="1">
+                <a:solidFill>
+                  <a:srgbClr val="0432FF"/>
                 </a:solidFill>
                 <a:sym typeface="Symbol" pitchFamily="2" charset="2"/>
               </a:rPr>
               <a:t>i</a:t>
             </a:r>
             <a:r>
-              <a:rPr lang="en-US" altLang="en-US" sz="2800" i="1" baseline="-25000">
+              <a:rPr lang="en-US" altLang="en-US" sz="2800" i="1" baseline="-25000" dirty="0">
+                <a:solidFill>
+                  <a:srgbClr val="0432FF"/>
+                </a:solidFill>
                 <a:sym typeface="Symbol" pitchFamily="2" charset="2"/>
               </a:rPr>
               <a:t> </a:t>
             </a:r>
             <a:r>
-              <a:rPr lang="en-US" altLang="en-US" sz="2800"/>
-              <a:t> of objective/constraints </a:t>
+              <a:rPr lang="en-US" altLang="en-US" sz="2800" dirty="0">
+                <a:solidFill>
+                  <a:srgbClr val="0432FF"/>
+                </a:solidFill>
+              </a:rPr>
+              <a:t> </a:t>
+            </a:r>
+            <a:r>
+              <a:rPr lang="en-US" altLang="en-US" sz="2800" dirty="0"/>
+              <a:t>of objective/constraints </a:t>
             </a:r>
           </a:p>
           <a:p>
@@ -3938,19 +3949,19 @@
               </a:lnSpc>
             </a:pPr>
             <a:r>
-              <a:rPr lang="en-US" altLang="en-US" sz="2400">
+              <a:rPr lang="en-US" altLang="en-US" sz="2400" dirty="0">
                 <a:ea typeface="ＭＳ Ｐゴシック" panose="020B0600070205080204" pitchFamily="34" charset="-128"/>
               </a:rPr>
               <a:t>you should </a:t>
             </a:r>
             <a:r>
-              <a:rPr lang="en-US" altLang="en-US" sz="2400" i="1">
+              <a:rPr lang="en-US" altLang="en-US" sz="2400" i="1" dirty="0">
                 <a:ea typeface="ＭＳ Ｐゴシック" panose="020B0600070205080204" pitchFamily="34" charset="-128"/>
               </a:rPr>
               <a:t>always</a:t>
             </a:r>
             <a:r>
-              <a:rPr lang="en-US" altLang="en-US" sz="2400">
+              <a:rPr lang="en-US" altLang="en-US" sz="2400" dirty="0">
                 <a:ea typeface="ＭＳ Ｐゴシック" panose="020B0600070205080204" pitchFamily="34" charset="-128"/>
               </a:rPr>
               <a:t> compute these analytically</a:t>
@@ -3963,7 +3974,7 @@
               </a:lnSpc>
             </a:pPr>
             <a:r>
-              <a:rPr lang="en-US" altLang="en-US" sz="2000">
+              <a:rPr lang="en-US" altLang="en-US" sz="2000" dirty="0">
                 <a:ea typeface="ＭＳ Ｐゴシック" panose="020B0600070205080204" pitchFamily="34" charset="-128"/>
               </a:rPr>
               <a:t>rather than use finite-difference approximations, better to just use a derivative-free optimization algorithm</a:t>
@@ -3976,65 +3987,65 @@
               </a:lnSpc>
             </a:pPr>
             <a:r>
-              <a:rPr lang="en-US" altLang="en-US" sz="2000">
+              <a:rPr lang="en-US" altLang="en-US" sz="2000" dirty="0">
                 <a:ea typeface="ＭＳ Ｐゴシック" panose="020B0600070205080204" pitchFamily="34" charset="-128"/>
               </a:rPr>
               <a:t>in principle, one can always compute </a:t>
             </a:r>
             <a:r>
-              <a:rPr lang="en-US" altLang="en-US" sz="2000">
+              <a:rPr lang="en-US" altLang="en-US" sz="2000" dirty="0">
                 <a:ea typeface="ＭＳ Ｐゴシック" panose="020B0600070205080204" pitchFamily="34" charset="-128"/>
                 <a:sym typeface="Symbol" pitchFamily="2" charset="2"/>
               </a:rPr>
               <a:t></a:t>
             </a:r>
             <a:r>
-              <a:rPr lang="en-US" altLang="en-US" sz="2000" i="1" baseline="-25000">
+              <a:rPr lang="en-US" altLang="en-US" sz="2000" i="1" baseline="-25000" dirty="0" err="1">
                 <a:ea typeface="ＭＳ Ｐゴシック" panose="020B0600070205080204" pitchFamily="34" charset="-128"/>
                 <a:sym typeface="Symbol" pitchFamily="2" charset="2"/>
               </a:rPr>
               <a:t>x</a:t>
             </a:r>
             <a:r>
-              <a:rPr lang="en-US" altLang="en-US" sz="2000" i="1">
+              <a:rPr lang="en-US" altLang="en-US" sz="2000" i="1" dirty="0" err="1">
                 <a:ea typeface="ＭＳ Ｐゴシック" panose="020B0600070205080204" pitchFamily="34" charset="-128"/>
                 <a:sym typeface="Symbol" pitchFamily="2" charset="2"/>
               </a:rPr>
               <a:t>f</a:t>
             </a:r>
             <a:r>
-              <a:rPr lang="en-US" altLang="en-US" sz="2000" i="1" baseline="-25000">
+              <a:rPr lang="en-US" altLang="en-US" sz="2000" i="1" baseline="-25000" dirty="0" err="1">
                 <a:ea typeface="ＭＳ Ｐゴシック" panose="020B0600070205080204" pitchFamily="34" charset="-128"/>
                 <a:sym typeface="Symbol" pitchFamily="2" charset="2"/>
               </a:rPr>
               <a:t>i</a:t>
             </a:r>
             <a:r>
-              <a:rPr lang="en-US" altLang="en-US" sz="2000">
+              <a:rPr lang="en-US" altLang="en-US" sz="2000" dirty="0">
                 <a:ea typeface="ＭＳ Ｐゴシック" panose="020B0600070205080204" pitchFamily="34" charset="-128"/>
               </a:rPr>
               <a:t> with about the same cost as </a:t>
             </a:r>
             <a:r>
-              <a:rPr lang="en-US" altLang="en-US" sz="2000" i="1">
+              <a:rPr lang="en-US" altLang="en-US" sz="2000" i="1" dirty="0">
                 <a:ea typeface="ＭＳ Ｐゴシック" panose="020B0600070205080204" pitchFamily="34" charset="-128"/>
               </a:rPr>
               <a:t>f</a:t>
             </a:r>
             <a:r>
-              <a:rPr lang="en-US" altLang="en-US" sz="2000" i="1" baseline="-25000">
+              <a:rPr lang="en-US" altLang="en-US" sz="2000" i="1" baseline="-25000" dirty="0">
                 <a:ea typeface="ＭＳ Ｐゴシック" panose="020B0600070205080204" pitchFamily="34" charset="-128"/>
               </a:rPr>
               <a:t>i</a:t>
             </a:r>
             <a:r>
-              <a:rPr lang="en-US" altLang="en-US" sz="2000">
+              <a:rPr lang="en-US" altLang="en-US" sz="2000" dirty="0">
                 <a:ea typeface="ＭＳ Ｐゴシック" panose="020B0600070205080204" pitchFamily="34" charset="-128"/>
               </a:rPr>
               <a:t>, using </a:t>
             </a:r>
             <a:r>
-              <a:rPr lang="en-US" altLang="en-US" sz="2000">
+              <a:rPr lang="en-US" altLang="en-US" sz="2000" dirty="0">
                 <a:solidFill>
                   <a:srgbClr val="FF0000"/>
                 </a:solidFill>
@@ -4042,7 +4053,58 @@
               </a:rPr>
               <a:t>adjoint methods</a:t>
             </a:r>
-            <a:endParaRPr lang="en-US" altLang="en-US" sz="2000">
+            <a:r>
+              <a:rPr lang="en-US" altLang="en-US" sz="2000" dirty="0">
+                <a:ea typeface="ＭＳ Ｐゴシック" panose="020B0600070205080204" pitchFamily="34" charset="-128"/>
+              </a:rPr>
+              <a:t>, or equivalently</a:t>
+            </a:r>
+            <a:r>
+              <a:rPr lang="en-US" altLang="en-US" sz="2000" dirty="0">
+                <a:solidFill>
+                  <a:srgbClr val="FF0000"/>
+                </a:solidFill>
+                <a:ea typeface="ＭＳ Ｐゴシック" panose="020B0600070205080204" pitchFamily="34" charset="-128"/>
+              </a:rPr>
+              <a:t> “reverse-mode” </a:t>
+            </a:r>
+            <a:r>
+              <a:rPr lang="en-US" altLang="en-US" sz="2000" dirty="0">
+                <a:solidFill>
+                  <a:srgbClr val="0432FF"/>
+                </a:solidFill>
+                <a:ea typeface="ＭＳ Ｐゴシック" panose="020B0600070205080204" pitchFamily="34" charset="-128"/>
+              </a:rPr>
+              <a:t>automatic differentiation </a:t>
+            </a:r>
+            <a:r>
+              <a:rPr lang="en-US" altLang="en-US" sz="2000" dirty="0">
+                <a:solidFill>
+                  <a:srgbClr val="FF0000"/>
+                </a:solidFill>
+                <a:ea typeface="ＭＳ Ｐゴシック" panose="020B0600070205080204" pitchFamily="34" charset="-128"/>
+              </a:rPr>
+              <a:t>(</a:t>
+            </a:r>
+            <a:r>
+              <a:rPr lang="en-US" altLang="en-US" sz="2000" dirty="0">
+                <a:solidFill>
+                  <a:srgbClr val="0432FF"/>
+                </a:solidFill>
+                <a:ea typeface="ＭＳ Ｐゴシック" panose="020B0600070205080204" pitchFamily="34" charset="-128"/>
+              </a:rPr>
+              <a:t>AD</a:t>
+            </a:r>
+            <a:r>
+              <a:rPr lang="en-US" altLang="en-US" sz="2000" dirty="0">
+                <a:solidFill>
+                  <a:srgbClr val="FF0000"/>
+                </a:solidFill>
+                <a:ea typeface="ＭＳ Ｐゴシック" panose="020B0600070205080204" pitchFamily="34" charset="-128"/>
+              </a:rPr>
+              <a:t>)</a:t>
+            </a:r>
+            <a:endParaRPr lang="en-US" altLang="en-US" sz="2000" dirty="0">
               <a:ea typeface="ＭＳ Ｐゴシック" panose="020B0600070205080204" pitchFamily="34" charset="-128"/>
             </a:endParaRPr>
           </a:p>
@@ -4053,10 +4115,10 @@
               </a:lnSpc>
             </a:pPr>
             <a:r>
-              <a:rPr lang="en-US" altLang="en-US" sz="2400">
+              <a:rPr lang="en-US" altLang="en-US" sz="2400" dirty="0">
                 <a:ea typeface="ＭＳ Ｐゴシック" panose="020B0600070205080204" pitchFamily="34" charset="-128"/>
               </a:rPr>
-              <a:t>gradient-based methods can find (local) optima of problems with millions of design parameters</a:t>
+              <a:t>gradient-based algorithms can find (local) optima of problems with millions of design parameters!</a:t>
             </a:r>
           </a:p>
           <a:p>
@@ -4066,7 +4128,7 @@
               </a:lnSpc>
             </a:pPr>
             <a:r>
-              <a:rPr lang="en-US" altLang="en-US" sz="2800">
+              <a:rPr lang="en-US" altLang="en-US" sz="2800" dirty="0">
                 <a:solidFill>
                   <a:schemeClr val="accent2"/>
                 </a:solidFill>
@@ -4074,19 +4136,19 @@
               <a:t>Derivative-free</a:t>
             </a:r>
             <a:r>
-              <a:rPr lang="en-US" altLang="en-US" sz="2800"/>
+              <a:rPr lang="en-US" altLang="en-US" sz="2800" dirty="0"/>
               <a:t> methods: only require </a:t>
             </a:r>
             <a:r>
-              <a:rPr lang="en-US" altLang="en-US" sz="2800" i="1"/>
+              <a:rPr lang="en-US" altLang="en-US" sz="2800" i="1" dirty="0"/>
               <a:t>f</a:t>
             </a:r>
             <a:r>
-              <a:rPr lang="en-US" altLang="en-US" sz="2800" i="1" baseline="-25000"/>
+              <a:rPr lang="en-US" altLang="en-US" sz="2800" i="1" baseline="-25000" dirty="0"/>
               <a:t>i</a:t>
             </a:r>
             <a:r>
-              <a:rPr lang="en-US" altLang="en-US" sz="2800"/>
+              <a:rPr lang="en-US" altLang="en-US" sz="2800" dirty="0"/>
               <a:t> values</a:t>
             </a:r>
           </a:p>
@@ -4097,7 +4159,7 @@
               </a:lnSpc>
             </a:pPr>
             <a:r>
-              <a:rPr lang="en-US" altLang="en-US" sz="2400">
+              <a:rPr lang="en-US" altLang="en-US" sz="2400" dirty="0">
                 <a:ea typeface="ＭＳ Ｐゴシック" panose="020B0600070205080204" pitchFamily="34" charset="-128"/>
               </a:rPr>
               <a:t>easier to use, can work with complicated “black-box” functions where computing gradients is inconvenient</a:t>
@@ -4110,13 +4172,13 @@
               </a:lnSpc>
             </a:pPr>
             <a:r>
-              <a:rPr lang="en-US" altLang="en-US" sz="2400" i="1">
+              <a:rPr lang="en-US" altLang="en-US" sz="2400" i="1" dirty="0">
                 <a:ea typeface="ＭＳ Ｐゴシック" panose="020B0600070205080204" pitchFamily="34" charset="-128"/>
               </a:rPr>
               <a:t>may</a:t>
             </a:r>
             <a:r>
-              <a:rPr lang="en-US" altLang="en-US" sz="2400">
+              <a:rPr lang="en-US" altLang="en-US" sz="2400" dirty="0">
                 <a:ea typeface="ＭＳ Ｐゴシック" panose="020B0600070205080204" pitchFamily="34" charset="-128"/>
               </a:rPr>
               <a:t> be only possibility for nondifferentiable problems</a:t>
@@ -4129,30 +4191,30 @@
               </a:lnSpc>
             </a:pPr>
             <a:r>
-              <a:rPr lang="en-US" altLang="en-US" sz="2400">
+              <a:rPr lang="en-US" altLang="en-US" sz="2400" dirty="0">
                 <a:ea typeface="ＭＳ Ｐゴシック" panose="020B0600070205080204" pitchFamily="34" charset="-128"/>
               </a:rPr>
               <a:t>need &gt; </a:t>
             </a:r>
             <a:r>
-              <a:rPr lang="en-US" altLang="en-US" sz="2400" i="1">
+              <a:rPr lang="en-US" altLang="en-US" sz="2400" i="1" dirty="0">
                 <a:ea typeface="ＭＳ Ｐゴシック" panose="020B0600070205080204" pitchFamily="34" charset="-128"/>
               </a:rPr>
               <a:t>n</a:t>
             </a:r>
             <a:r>
-              <a:rPr lang="en-US" altLang="en-US" sz="2400">
+              <a:rPr lang="en-US" altLang="en-US" sz="2400" dirty="0">
                 <a:ea typeface="ＭＳ Ｐゴシック" panose="020B0600070205080204" pitchFamily="34" charset="-128"/>
               </a:rPr>
               <a:t> function evaluations, bad for large </a:t>
             </a:r>
             <a:r>
-              <a:rPr lang="en-US" altLang="en-US" sz="2400" i="1">
+              <a:rPr lang="en-US" altLang="en-US" sz="2400" i="1" dirty="0">
                 <a:ea typeface="ＭＳ Ｐゴシック" panose="020B0600070205080204" pitchFamily="34" charset="-128"/>
               </a:rPr>
               <a:t>n</a:t>
             </a:r>
-            <a:endParaRPr lang="en-US" altLang="en-US" sz="2400">
+            <a:endParaRPr lang="en-US" altLang="en-US" sz="2400" dirty="0">
               <a:ea typeface="ＭＳ Ｐゴシック" panose="020B0600070205080204" pitchFamily="34" charset="-128"/>
             </a:endParaRPr>
           </a:p>
@@ -17686,8 +17748,8 @@
           </p:sp>
         </mc:Fallback>
       </mc:AlternateContent>
-      <mc:AlternateContent xmlns:mc="http://schemas.openxmlformats.org/markup-compatibility/2006" xmlns:a14="http://schemas.microsoft.com/office/drawing/2010/main">
-        <mc:Choice Requires="a14">
+      <mc:AlternateContent xmlns:mc="http://schemas.openxmlformats.org/markup-compatibility/2006">
+        <mc:Choice xmlns:a14="http://schemas.microsoft.com/office/drawing/2010/main" Requires="a14">
           <p:sp>
             <p:nvSpPr>
               <p:cNvPr id="5" name="TextBox 4">
@@ -17703,7 +17765,7 @@
             <p:spPr>
               <a:xfrm>
                 <a:off x="1257300" y="4840739"/>
-                <a:ext cx="6629400" cy="830997"/>
+                <a:ext cx="6891020" cy="830997"/>
               </a:xfrm>
               <a:prstGeom prst="rect">
                 <a:avLst/>
@@ -17789,13 +17851,13 @@
                 </a:r>
                 <a:r>
                   <a:rPr lang="en-US" dirty="0"/>
-                  <a:t>standard gradient-descent because of randomness.</a:t>
+                  <a:t>standard gradient-based algorithms because of random “noise.”</a:t>
                 </a:r>
               </a:p>
             </p:txBody>
           </p:sp>
         </mc:Choice>
-        <mc:Fallback xmlns="">
+        <mc:Fallback>
           <p:sp>
             <p:nvSpPr>
               <p:cNvPr id="5" name="TextBox 4">
@@ -17813,7 +17875,7 @@
             <p:spPr>
               <a:xfrm>
                 <a:off x="1257300" y="4840739"/>
-                <a:ext cx="6629400" cy="830997"/>
+                <a:ext cx="6891020" cy="830997"/>
               </a:xfrm>
               <a:prstGeom prst="rect">
                 <a:avLst/>
@@ -17821,7 +17883,7 @@
               <a:blipFill>
                 <a:blip r:embed="rId4"/>
                 <a:stretch>
-                  <a:fillRect t="-4478" b="-13433"/>
+                  <a:fillRect l="-551" t="-4478" r="-551" b="-13433"/>
                 </a:stretch>
               </a:blipFill>
             </p:spPr>
@@ -17903,8 +17965,8 @@
           </a:p>
         </p:txBody>
       </p:sp>
-      <mc:AlternateContent xmlns:mc="http://schemas.openxmlformats.org/markup-compatibility/2006" xmlns:a14="http://schemas.microsoft.com/office/drawing/2010/main">
-        <mc:Choice Requires="a14">
+      <mc:AlternateContent xmlns:mc="http://schemas.openxmlformats.org/markup-compatibility/2006">
+        <mc:Choice xmlns:a14="http://schemas.microsoft.com/office/drawing/2010/main" Requires="a14">
           <p:sp>
             <p:nvSpPr>
               <p:cNvPr id="7" name="TextBox 6">
@@ -17920,7 +17982,7 @@
             <p:spPr>
               <a:xfrm>
                 <a:off x="1104278" y="3008387"/>
-                <a:ext cx="7619999" cy="1659172"/>
+                <a:ext cx="7619999" cy="1769074"/>
               </a:xfrm>
               <a:prstGeom prst="rect">
                 <a:avLst/>
@@ -17995,7 +18057,15 @@
                 </a14:m>
                 <a:r>
                   <a:rPr lang="en-US" dirty="0"/>
-                  <a:t>:</a:t>
+                  <a:t> (different for each </a:t>
+                </a:r>
+                <a:r>
+                  <a:rPr lang="en-US" i="1" dirty="0"/>
+                  <a:t>x</a:t>
+                </a:r>
+                <a:r>
+                  <a:rPr lang="en-US" dirty="0"/>
+                  <a:t>):</a:t>
                 </a:r>
               </a:p>
               <a:p>
@@ -18006,37 +18076,63 @@
                 <a14:m>
                   <m:oMath xmlns:m="http://schemas.openxmlformats.org/officeDocument/2006/math">
                     <m:r>
-                      <a:rPr lang="en-US" b="0" i="1" smtClean="0">
+                      <a:rPr lang="en-US" i="1">
+                        <a:solidFill>
+                          <a:srgbClr val="FF0000"/>
+                        </a:solidFill>
                         <a:latin typeface="Cambria Math" panose="02040503050406030204" pitchFamily="18" charset="0"/>
                       </a:rPr>
-                      <m:t>𝑓</m:t>
+                      <m:t>𝐸</m:t>
                     </m:r>
                     <m:d>
                       <m:dPr>
+                        <m:begChr m:val="["/>
+                        <m:endChr m:val="]"/>
                         <m:ctrlPr>
-                          <a:rPr lang="en-US" b="0" i="1" smtClean="0">
+                          <a:rPr lang="en-US" i="1">
                             <a:latin typeface="Cambria Math" panose="02040503050406030204" pitchFamily="18" charset="0"/>
                           </a:rPr>
                         </m:ctrlPr>
                       </m:dPr>
                       <m:e>
                         <m:r>
-                          <a:rPr lang="en-US" b="0" i="1" smtClean="0">
+                          <a:rPr lang="en-US" i="1">
+                            <a:latin typeface="Cambria Math" panose="02040503050406030204" pitchFamily="18" charset="0"/>
+                          </a:rPr>
+                          <m:t>𝑓</m:t>
+                        </m:r>
+                        <m:r>
+                          <a:rPr lang="en-US" i="1">
+                            <a:latin typeface="Cambria Math" panose="02040503050406030204" pitchFamily="18" charset="0"/>
+                          </a:rPr>
+                          <m:t>(</m:t>
+                        </m:r>
+                        <m:r>
+                          <a:rPr lang="en-US" i="1">
                             <a:latin typeface="Cambria Math" panose="02040503050406030204" pitchFamily="18" charset="0"/>
                           </a:rPr>
                           <m:t>𝑥</m:t>
                         </m:r>
                         <m:r>
-                          <a:rPr lang="en-US" b="0" i="1" smtClean="0">
+                          <a:rPr lang="en-US" i="1">
                             <a:latin typeface="Cambria Math" panose="02040503050406030204" pitchFamily="18" charset="0"/>
                           </a:rPr>
                           <m:t>,</m:t>
                         </m:r>
                         <m:r>
-                          <a:rPr lang="en-US" b="0" i="1" smtClean="0">
+                          <a:rPr lang="en-US" i="1">
+                            <a:solidFill>
+                              <a:srgbClr val="FF0000"/>
+                            </a:solidFill>
                             <a:latin typeface="Cambria Math" panose="02040503050406030204" pitchFamily="18" charset="0"/>
                           </a:rPr>
                           <m:t>𝜉</m:t>
+                        </m:r>
+                        <m:r>
+                          <a:rPr lang="en-US" i="1">
+                            <a:latin typeface="Cambria Math" panose="02040503050406030204" pitchFamily="18" charset="0"/>
+                          </a:rPr>
+                          <m:t>)</m:t>
                         </m:r>
                       </m:e>
                     </m:d>
@@ -18044,8 +18140,51 @@
                       <a:rPr lang="en-US" b="0" i="1" smtClean="0">
                         <a:latin typeface="Cambria Math" panose="02040503050406030204" pitchFamily="18" charset="0"/>
                       </a:rPr>
-                      <m:t>=</m:t>
+                      <m:t>≈</m:t>
                     </m:r>
+                    <m:f>
+                      <m:fPr>
+                        <m:ctrlPr>
+                          <a:rPr lang="en-US" b="0" i="1" smtClean="0">
+                            <a:latin typeface="Cambria Math" panose="02040503050406030204" pitchFamily="18" charset="0"/>
+                          </a:rPr>
+                        </m:ctrlPr>
+                      </m:fPr>
+                      <m:num>
+                        <m:r>
+                          <a:rPr lang="en-US" b="0" i="1" smtClean="0">
+                            <a:latin typeface="Cambria Math" panose="02040503050406030204" pitchFamily="18" charset="0"/>
+                          </a:rPr>
+                          <m:t>1</m:t>
+                        </m:r>
+                      </m:num>
+                      <m:den>
+                        <m:r>
+                          <a:rPr lang="en-US" b="0" i="1" smtClean="0">
+                            <a:latin typeface="Cambria Math" panose="02040503050406030204" pitchFamily="18" charset="0"/>
+                          </a:rPr>
+                          <m:t>|</m:t>
+                        </m:r>
+                        <m:r>
+                          <m:rPr>
+                            <m:sty m:val="p"/>
+                          </m:rPr>
+                          <a:rPr lang="el-GR">
+                            <a:solidFill>
+                              <a:srgbClr val="FF0000"/>
+                            </a:solidFill>
+                            <a:latin typeface="Cambria Math" panose="02040503050406030204" pitchFamily="18" charset="0"/>
+                          </a:rPr>
+                          <m:t>Ξ</m:t>
+                        </m:r>
+                        <m:r>
+                          <a:rPr lang="en-US" i="1">
+                            <a:latin typeface="Cambria Math" panose="02040503050406030204" pitchFamily="18" charset="0"/>
+                          </a:rPr>
+                          <m:t>|</m:t>
+                        </m:r>
+                      </m:den>
+                    </m:f>
                     <m:nary>
                       <m:naryPr>
                         <m:chr m:val="∑"/>
@@ -18140,7 +18279,7 @@
             </p:txBody>
           </p:sp>
         </mc:Choice>
-        <mc:Fallback xmlns="">
+        <mc:Fallback>
           <p:sp>
             <p:nvSpPr>
               <p:cNvPr id="7" name="TextBox 6">
@@ -18158,7 +18297,7 @@
             <p:spPr>
               <a:xfrm>
                 <a:off x="1104278" y="3008387"/>
-                <a:ext cx="7619999" cy="1659172"/>
+                <a:ext cx="7619999" cy="1769074"/>
               </a:xfrm>
               <a:prstGeom prst="rect">
                 <a:avLst/>
@@ -18166,7 +18305,7 @@
               <a:blipFill>
                 <a:blip r:embed="rId5"/>
                 <a:stretch>
-                  <a:fillRect l="-1165" t="-3030" b="-46970"/>
+                  <a:fillRect l="-1165" t="-2857" r="-666" b="-42857"/>
                 </a:stretch>
               </a:blipFill>
             </p:spPr>
@@ -18656,7 +18795,12 @@
             <p:ph type="title"/>
           </p:nvPr>
         </p:nvSpPr>
-        <p:spPr/>
+        <p:spPr>
+          <a:xfrm>
+            <a:off x="685800" y="0"/>
+            <a:ext cx="7772400" cy="914400"/>
+          </a:xfrm>
+        </p:spPr>
         <p:txBody>
           <a:bodyPr/>
           <a:lstStyle/>
@@ -18687,8 +18831,8 @@
         </p:nvSpPr>
         <p:spPr>
           <a:xfrm>
-            <a:off x="685800" y="1752600"/>
-            <a:ext cx="7772400" cy="4114800"/>
+            <a:off x="685800" y="990600"/>
+            <a:ext cx="7772400" cy="5638800"/>
           </a:xfrm>
         </p:spPr>
         <p:txBody>
@@ -18697,23 +18841,31 @@
           <a:p>
             <a:pPr eaLnBrk="1" hangingPunct="1"/>
             <a:r>
-              <a:rPr lang="en-US" altLang="en-US" sz="2800"/>
+              <a:rPr lang="en-US" altLang="en-US" sz="2800" dirty="0"/>
               <a:t>In some sense, </a:t>
             </a:r>
             <a:r>
-              <a:rPr lang="en-US" altLang="en-US" sz="2800" i="1">
-                <a:solidFill>
-                  <a:schemeClr val="accent2"/>
+              <a:rPr lang="en-US" altLang="en-US" sz="2800" i="1" dirty="0">
+                <a:solidFill>
+                  <a:srgbClr val="0432FF"/>
                 </a:solidFill>
               </a:rPr>
               <a:t>all engineering design</a:t>
             </a:r>
             <a:r>
-              <a:rPr lang="en-US" altLang="en-US" sz="2800"/>
-              <a:t> is optimization: choosing </a:t>
-            </a:r>
-            <a:r>
-              <a:rPr lang="en-US" altLang="en-US" sz="2800">
+              <a:rPr lang="en-US" altLang="en-US" sz="2800" dirty="0">
+                <a:solidFill>
+                  <a:srgbClr val="0432FF"/>
+                </a:solidFill>
+              </a:rPr>
+              <a:t> </a:t>
+            </a:r>
+            <a:r>
+              <a:rPr lang="en-US" altLang="en-US" sz="2800" dirty="0"/>
+              <a:t>is optimization: choosing </a:t>
+            </a:r>
+            <a:r>
+              <a:rPr lang="en-US" altLang="en-US" sz="2800" dirty="0">
                 <a:solidFill>
                   <a:srgbClr val="FF0000"/>
                 </a:solidFill>
@@ -18721,11 +18873,11 @@
               <a:t>design parameters</a:t>
             </a:r>
             <a:r>
-              <a:rPr lang="en-US" altLang="en-US" sz="2800"/>
+              <a:rPr lang="en-US" altLang="en-US" sz="2800" dirty="0"/>
               <a:t> to improve some </a:t>
             </a:r>
             <a:r>
-              <a:rPr lang="en-US" altLang="en-US" sz="2800">
+              <a:rPr lang="en-US" altLang="en-US" sz="2800" dirty="0">
                 <a:solidFill>
                   <a:srgbClr val="FF0000"/>
                 </a:solidFill>
@@ -18736,46 +18888,77 @@
           <a:p>
             <a:pPr eaLnBrk="1" hangingPunct="1"/>
             <a:r>
-              <a:rPr lang="en-US" altLang="en-US" sz="2800"/>
+              <a:rPr lang="en-US" altLang="en-US" sz="2800" dirty="0"/>
               <a:t>Much of </a:t>
             </a:r>
             <a:r>
-              <a:rPr lang="en-US" altLang="en-US" sz="2800" i="1">
-                <a:solidFill>
-                  <a:schemeClr val="accent2"/>
+              <a:rPr lang="en-US" altLang="en-US" sz="2800" i="1" dirty="0">
+                <a:solidFill>
+                  <a:srgbClr val="0432FF"/>
                 </a:solidFill>
               </a:rPr>
               <a:t>data analysis</a:t>
             </a:r>
             <a:r>
-              <a:rPr lang="en-US" altLang="en-US" sz="2800"/>
-              <a:t> is also optimization: extracting some model parameters from data while minimizing some error measure (e.g. fitting)</a:t>
+              <a:rPr lang="en-US" altLang="en-US" sz="2800" dirty="0">
+                <a:solidFill>
+                  <a:srgbClr val="0432FF"/>
+                </a:solidFill>
+              </a:rPr>
+              <a:t> </a:t>
+            </a:r>
+            <a:r>
+              <a:rPr lang="en-US" altLang="en-US" sz="2800" dirty="0"/>
+              <a:t>is also optimization: extracting some model parameters from data while minimizing some error measure (e.g. fitting)</a:t>
             </a:r>
           </a:p>
           <a:p>
             <a:pPr eaLnBrk="1" hangingPunct="1"/>
             <a:r>
-              <a:rPr lang="en-US" altLang="en-US" sz="2800"/>
+              <a:rPr lang="en-US" altLang="en-US" sz="2800" i="1" dirty="0">
+                <a:solidFill>
+                  <a:srgbClr val="0432FF"/>
+                </a:solidFill>
+              </a:rPr>
+              <a:t>Machine learning </a:t>
+            </a:r>
+            <a:r>
+              <a:rPr lang="en-US" altLang="en-US" sz="2800" dirty="0"/>
+              <a:t>(e.g. deep neural nets) is based on optimizing a “loss” function over many model (NN) parameters</a:t>
+            </a:r>
+          </a:p>
+          <a:p>
+            <a:pPr eaLnBrk="1" hangingPunct="1"/>
+            <a:r>
+              <a:rPr lang="en-US" altLang="en-US" sz="2800" dirty="0"/>
               <a:t>Most </a:t>
             </a:r>
             <a:r>
-              <a:rPr lang="en-US" altLang="en-US" sz="2800" i="1">
-                <a:solidFill>
-                  <a:schemeClr val="accent2"/>
+              <a:rPr lang="en-US" altLang="en-US" sz="2800" i="1" dirty="0">
+                <a:solidFill>
+                  <a:srgbClr val="0432FF"/>
                 </a:solidFill>
               </a:rPr>
               <a:t>business decisions</a:t>
             </a:r>
             <a:r>
-              <a:rPr lang="en-US" altLang="en-US" sz="2800"/>
-              <a:t> = optimization: varying some </a:t>
-            </a:r>
-            <a:r>
-              <a:rPr lang="en-US" altLang="en-US" sz="2800" i="1"/>
+              <a:rPr lang="en-US" altLang="en-US" sz="2800" dirty="0">
+                <a:solidFill>
+                  <a:srgbClr val="0432FF"/>
+                </a:solidFill>
+              </a:rPr>
+              <a:t> </a:t>
+            </a:r>
+            <a:r>
+              <a:rPr lang="en-US" altLang="en-US" sz="2800" dirty="0"/>
+              <a:t>= optimization: varying some </a:t>
+            </a:r>
+            <a:r>
+              <a:rPr lang="en-US" altLang="en-US" sz="2800" i="1" dirty="0"/>
               <a:t>decision parameters</a:t>
             </a:r>
             <a:r>
-              <a:rPr lang="en-US" altLang="en-US" sz="2800"/>
+              <a:rPr lang="en-US" altLang="en-US" sz="2800" dirty="0"/>
               <a:t> to maximize profit (e.g. investment portfolios, supply chains, etc.)</a:t>
             </a:r>
           </a:p>
@@ -19676,7 +19859,7 @@
           <a:graphicData uri="http://schemas.openxmlformats.org/presentationml/2006/ole">
             <mc:AlternateContent xmlns:mc="http://schemas.openxmlformats.org/markup-compatibility/2006">
               <mc:Choice xmlns:v="urn:schemas-microsoft-com:vml" Requires="v">
-                <p:oleObj spid="_x0000_s15392" name="Equation" r:id="rId3" imgW="8661400" imgH="1955800" progId="Equation.DSMT4">
+                <p:oleObj spid="_x0000_s15395" name="Equation" r:id="rId3" imgW="8661400" imgH="1955800" progId="Equation.DSMT4">
                   <p:embed/>
                 </p:oleObj>
               </mc:Choice>
@@ -21588,7 +21771,7 @@
           <a:graphicData uri="http://schemas.openxmlformats.org/presentationml/2006/ole">
             <mc:AlternateContent xmlns:mc="http://schemas.openxmlformats.org/markup-compatibility/2006">
               <mc:Choice xmlns:v="urn:schemas-microsoft-com:vml" Requires="v">
-                <p:oleObj spid="_x0000_s18503" name="Equation" r:id="rId3" imgW="9144000" imgH="1016000" progId="Equation.DSMT4">
+                <p:oleObj spid="_x0000_s18509" name="Equation" r:id="rId3" imgW="9144000" imgH="1016000" progId="Equation.DSMT4">
                   <p:embed/>
                 </p:oleObj>
               </mc:Choice>
@@ -21852,7 +22035,7 @@
           <a:graphicData uri="http://schemas.openxmlformats.org/presentationml/2006/ole">
             <mc:AlternateContent xmlns:mc="http://schemas.openxmlformats.org/markup-compatibility/2006">
               <mc:Choice xmlns:v="urn:schemas-microsoft-com:vml" Requires="v">
-                <p:oleObj spid="_x0000_s18504" name="Equation" r:id="rId5" imgW="8686800" imgH="5181600" progId="Equation.DSMT4">
+                <p:oleObj spid="_x0000_s18510" name="Equation" r:id="rId5" imgW="8686800" imgH="5181600" progId="Equation.DSMT4">
                   <p:embed/>
                 </p:oleObj>
               </mc:Choice>
@@ -25660,196 +25843,237 @@
           <a:p>
             <a:pPr eaLnBrk="1" hangingPunct="1"/>
             <a:r>
-              <a:rPr lang="en-US" altLang="en-US" sz="2800"/>
-              <a:t>LP (linear programming): the objective and constraints are </a:t>
-            </a:r>
-            <a:r>
-              <a:rPr lang="en-US" altLang="en-US" sz="2800" i="1"/>
+              <a:rPr lang="en-US" altLang="en-US" sz="2800" dirty="0">
+                <a:solidFill>
+                  <a:srgbClr val="0432FF"/>
+                </a:solidFill>
+              </a:rPr>
+              <a:t>LP</a:t>
+            </a:r>
+            <a:r>
+              <a:rPr lang="en-US" altLang="en-US" sz="2800" dirty="0"/>
+              <a:t> (linear programming): the objective and constraints are </a:t>
+            </a:r>
+            <a:r>
+              <a:rPr lang="en-US" altLang="en-US" sz="2800" i="1" dirty="0"/>
               <a:t>affine</a:t>
             </a:r>
             <a:r>
-              <a:rPr lang="en-US" altLang="en-US" sz="2800"/>
+              <a:rPr lang="en-US" altLang="en-US" sz="2800" dirty="0"/>
               <a:t>: </a:t>
             </a:r>
             <a:r>
-              <a:rPr lang="en-US" altLang="en-US" sz="2800" i="1"/>
+              <a:rPr lang="en-US" altLang="en-US" sz="2800" i="1" dirty="0"/>
               <a:t>f</a:t>
             </a:r>
             <a:r>
-              <a:rPr lang="en-US" altLang="en-US" sz="2800" i="1" baseline="-25000"/>
+              <a:rPr lang="en-US" altLang="en-US" sz="2800" i="1" baseline="-25000" dirty="0"/>
               <a:t>i</a:t>
             </a:r>
             <a:r>
-              <a:rPr lang="en-US" altLang="en-US" sz="2800"/>
+              <a:rPr lang="en-US" altLang="en-US" sz="2800" dirty="0"/>
               <a:t>(</a:t>
             </a:r>
             <a:r>
-              <a:rPr lang="en-US" altLang="en-US" sz="2800" i="1"/>
+              <a:rPr lang="en-US" altLang="en-US" sz="2800" i="1" dirty="0"/>
               <a:t>x</a:t>
             </a:r>
             <a:r>
-              <a:rPr lang="en-US" altLang="en-US" sz="2800"/>
+              <a:rPr lang="en-US" altLang="en-US" sz="2800" dirty="0"/>
               <a:t>) = </a:t>
             </a:r>
             <a:r>
-              <a:rPr lang="en-US" altLang="en-US" sz="2800" i="1"/>
+              <a:rPr lang="en-US" altLang="en-US" sz="2800" i="1" dirty="0" err="1"/>
               <a:t>a</a:t>
             </a:r>
             <a:r>
-              <a:rPr lang="en-US" altLang="en-US" sz="2800" i="1" baseline="-25000"/>
+              <a:rPr lang="en-US" altLang="en-US" sz="2800" i="1" baseline="-25000" dirty="0" err="1"/>
               <a:t>i</a:t>
             </a:r>
             <a:r>
-              <a:rPr lang="en-US" altLang="en-US" sz="2800" baseline="30000"/>
+              <a:rPr lang="en-US" altLang="en-US" sz="2800" baseline="30000" dirty="0" err="1"/>
               <a:t>T</a:t>
             </a:r>
             <a:r>
-              <a:rPr lang="en-US" altLang="en-US" sz="2800" i="1"/>
+              <a:rPr lang="en-US" altLang="en-US" sz="2800" i="1" dirty="0" err="1"/>
               <a:t>x</a:t>
             </a:r>
             <a:r>
-              <a:rPr lang="en-US" altLang="en-US" sz="2800"/>
+              <a:rPr lang="en-US" altLang="en-US" sz="2800" dirty="0"/>
               <a:t> + </a:t>
             </a:r>
             <a:r>
-              <a:rPr lang="en-US" altLang="en-US" sz="2800" i="1">
+              <a:rPr lang="en-US" altLang="en-US" sz="2800" i="1" dirty="0" err="1">
                 <a:latin typeface="Symbol" pitchFamily="2" charset="2"/>
               </a:rPr>
               <a:t>a</a:t>
             </a:r>
             <a:r>
-              <a:rPr lang="en-US" altLang="en-US" sz="2800" i="1" baseline="-25000"/>
+              <a:rPr lang="en-US" altLang="en-US" sz="2800" i="1" baseline="-25000" dirty="0" err="1"/>
               <a:t>i</a:t>
             </a:r>
+            <a:endParaRPr lang="en-US" altLang="en-US" sz="2800" i="1" baseline="-25000" dirty="0"/>
           </a:p>
           <a:p>
             <a:pPr eaLnBrk="1" hangingPunct="1"/>
             <a:r>
-              <a:rPr lang="en-US" altLang="en-US" sz="2800"/>
-              <a:t>QP (quadratic programming): affine constraints + convexquadratic objective </a:t>
-            </a:r>
-            <a:r>
-              <a:rPr lang="en-US" altLang="en-US" sz="2800" i="1"/>
+              <a:rPr lang="en-US" altLang="en-US" sz="2800" dirty="0">
+                <a:solidFill>
+                  <a:srgbClr val="0432FF"/>
+                </a:solidFill>
+              </a:rPr>
+              <a:t>QP</a:t>
+            </a:r>
+            <a:r>
+              <a:rPr lang="en-US" altLang="en-US" sz="2800" dirty="0"/>
+              <a:t> (quadratic programming): affine constraints + </a:t>
+            </a:r>
+            <a:r>
+              <a:rPr lang="en-US" altLang="en-US" sz="2800" dirty="0" err="1"/>
+              <a:t>convexquadratic</a:t>
+            </a:r>
+            <a:r>
+              <a:rPr lang="en-US" altLang="en-US" sz="2800" dirty="0"/>
+              <a:t> objective </a:t>
+            </a:r>
+            <a:r>
+              <a:rPr lang="en-US" altLang="en-US" sz="2800" i="1" dirty="0" err="1"/>
               <a:t>x</a:t>
             </a:r>
             <a:r>
-              <a:rPr lang="en-US" altLang="en-US" sz="2800" baseline="30000"/>
+              <a:rPr lang="en-US" altLang="en-US" sz="2800" baseline="30000" dirty="0" err="1"/>
               <a:t>T</a:t>
             </a:r>
             <a:r>
-              <a:rPr lang="en-US" altLang="en-US" sz="2800" i="1"/>
+              <a:rPr lang="en-US" altLang="en-US" sz="2800" i="1" dirty="0" err="1"/>
               <a:t>Ax</a:t>
             </a:r>
             <a:r>
-              <a:rPr lang="en-US" altLang="en-US" sz="2800"/>
+              <a:rPr lang="en-US" altLang="en-US" sz="2800" dirty="0" err="1"/>
               <a:t>+</a:t>
             </a:r>
             <a:r>
-              <a:rPr lang="en-US" altLang="en-US" sz="2800" i="1"/>
+              <a:rPr lang="en-US" altLang="en-US" sz="2800" i="1" dirty="0" err="1"/>
               <a:t>b</a:t>
             </a:r>
             <a:r>
-              <a:rPr lang="en-US" altLang="en-US" sz="2800" baseline="30000"/>
+              <a:rPr lang="en-US" altLang="en-US" sz="2800" baseline="30000" dirty="0" err="1"/>
               <a:t>T</a:t>
             </a:r>
             <a:r>
-              <a:rPr lang="en-US" altLang="en-US" sz="2800" i="1"/>
+              <a:rPr lang="en-US" altLang="en-US" sz="2800" i="1" dirty="0" err="1"/>
               <a:t>x</a:t>
             </a:r>
-            <a:endParaRPr lang="en-US" altLang="en-US" sz="2800"/>
+            <a:endParaRPr lang="en-US" altLang="en-US" sz="2800" dirty="0"/>
           </a:p>
           <a:p>
             <a:pPr eaLnBrk="1" hangingPunct="1"/>
             <a:r>
-              <a:rPr lang="en-US" altLang="en-US" sz="2800"/>
-              <a:t>SOCP (second-order cone program): LP + </a:t>
-            </a:r>
-            <a:r>
-              <a:rPr lang="en-US" altLang="en-US" sz="2800" i="1"/>
+              <a:rPr lang="en-US" altLang="en-US" sz="2800" dirty="0">
+                <a:solidFill>
+                  <a:srgbClr val="0432FF"/>
+                </a:solidFill>
+              </a:rPr>
+              <a:t>SOCP</a:t>
+            </a:r>
+            <a:r>
+              <a:rPr lang="en-US" altLang="en-US" sz="2800" dirty="0"/>
+              <a:t> (second-order cone program): LP + </a:t>
+            </a:r>
+            <a:r>
+              <a:rPr lang="en-US" altLang="en-US" sz="2800" i="1" dirty="0"/>
               <a:t>cone</a:t>
             </a:r>
             <a:r>
-              <a:rPr lang="en-US" altLang="en-US" sz="2800"/>
+              <a:rPr lang="en-US" altLang="en-US" sz="2800" dirty="0"/>
               <a:t> constraints ||</a:t>
             </a:r>
             <a:r>
-              <a:rPr lang="en-US" altLang="en-US" sz="2800" i="1"/>
+              <a:rPr lang="en-US" altLang="en-US" sz="2800" i="1" dirty="0" err="1"/>
               <a:t>Ax</a:t>
             </a:r>
             <a:r>
-              <a:rPr lang="en-US" altLang="en-US" sz="2800"/>
+              <a:rPr lang="en-US" altLang="en-US" sz="2800" dirty="0" err="1"/>
               <a:t>+</a:t>
             </a:r>
             <a:r>
-              <a:rPr lang="en-US" altLang="en-US" sz="2800" i="1"/>
+              <a:rPr lang="en-US" altLang="en-US" sz="2800" i="1" dirty="0" err="1"/>
               <a:t>b</a:t>
             </a:r>
             <a:r>
-              <a:rPr lang="en-US" altLang="en-US" sz="2800"/>
+              <a:rPr lang="en-US" altLang="en-US" sz="2800" dirty="0"/>
               <a:t>||</a:t>
             </a:r>
             <a:r>
-              <a:rPr lang="en-US" altLang="en-US" sz="2800" baseline="-25000"/>
+              <a:rPr lang="en-US" altLang="en-US" sz="2800" baseline="-25000" dirty="0"/>
               <a:t>2</a:t>
             </a:r>
             <a:r>
-              <a:rPr lang="en-US" altLang="en-US" sz="2800"/>
+              <a:rPr lang="en-US" altLang="en-US" sz="2800" dirty="0"/>
               <a:t> ≤ </a:t>
             </a:r>
             <a:r>
-              <a:rPr lang="en-US" altLang="en-US" sz="2800" i="1"/>
+              <a:rPr lang="en-US" altLang="en-US" sz="2800" i="1" dirty="0" err="1"/>
               <a:t>a</a:t>
             </a:r>
             <a:r>
-              <a:rPr lang="en-US" altLang="en-US" sz="2800" baseline="30000"/>
+              <a:rPr lang="en-US" altLang="en-US" sz="2800" baseline="30000" dirty="0" err="1"/>
               <a:t>T</a:t>
             </a:r>
             <a:r>
-              <a:rPr lang="en-US" altLang="en-US" sz="2800" i="1"/>
+              <a:rPr lang="en-US" altLang="en-US" sz="2800" i="1" dirty="0" err="1"/>
               <a:t>x</a:t>
             </a:r>
             <a:r>
-              <a:rPr lang="en-US" altLang="en-US" sz="2800"/>
+              <a:rPr lang="en-US" altLang="en-US" sz="2800" dirty="0"/>
               <a:t> + </a:t>
             </a:r>
             <a:r>
-              <a:rPr lang="en-US" altLang="en-US" sz="2800" i="1">
+              <a:rPr lang="en-US" altLang="en-US" sz="2800" i="1" dirty="0">
                 <a:latin typeface="Symbol" pitchFamily="2" charset="2"/>
               </a:rPr>
               <a:t>a</a:t>
             </a:r>
-            <a:endParaRPr lang="en-US" altLang="en-US" sz="2800"/>
+            <a:endParaRPr lang="en-US" altLang="en-US" sz="2800" dirty="0"/>
           </a:p>
           <a:p>
             <a:pPr eaLnBrk="1" hangingPunct="1"/>
             <a:r>
-              <a:rPr lang="en-US" altLang="en-US" sz="2800"/>
-              <a:t>SDP (semidefinite programming): constraints are that </a:t>
-            </a:r>
-            <a:r>
-              <a:rPr lang="en-US" altLang="en-US" sz="2800">
+              <a:rPr lang="en-US" altLang="en-US" sz="2800" dirty="0">
+                <a:solidFill>
+                  <a:srgbClr val="0432FF"/>
+                </a:solidFill>
+              </a:rPr>
+              <a:t>SDP</a:t>
+            </a:r>
+            <a:r>
+              <a:rPr lang="en-US" altLang="en-US" sz="2800" dirty="0"/>
+              <a:t> (semidefinite programming): constraints are that </a:t>
+            </a:r>
+            <a:r>
+              <a:rPr lang="en-US" altLang="en-US" sz="2800" dirty="0">
                 <a:sym typeface="Symbol" pitchFamily="2" charset="2"/>
               </a:rPr>
               <a:t></a:t>
             </a:r>
             <a:r>
-              <a:rPr lang="en-US" altLang="en-US" sz="2800" i="1"/>
+              <a:rPr lang="en-US" altLang="en-US" sz="2800" i="1" dirty="0" err="1"/>
               <a:t>A</a:t>
             </a:r>
             <a:r>
-              <a:rPr lang="en-US" altLang="en-US" sz="2800" i="1" baseline="-25000"/>
+              <a:rPr lang="en-US" altLang="en-US" sz="2800" i="1" baseline="-25000" dirty="0" err="1"/>
               <a:t>k</a:t>
             </a:r>
             <a:r>
-              <a:rPr lang="en-US" altLang="en-US" sz="2800" i="1"/>
+              <a:rPr lang="en-US" altLang="en-US" sz="2800" i="1" dirty="0" err="1"/>
               <a:t>x</a:t>
             </a:r>
             <a:r>
-              <a:rPr lang="en-US" altLang="en-US" sz="2800" i="1" baseline="-25000"/>
+              <a:rPr lang="en-US" altLang="en-US" sz="2800" i="1" baseline="-25000" dirty="0" err="1"/>
               <a:t>k</a:t>
             </a:r>
             <a:r>
-              <a:rPr lang="en-US" altLang="en-US" sz="2800"/>
+              <a:rPr lang="en-US" altLang="en-US" sz="2800" dirty="0"/>
               <a:t> is positive-semidefinite</a:t>
             </a:r>
           </a:p>
